--- a/presentations/chapter-6/Practical Web Dev.pptx
+++ b/presentations/chapter-6/Practical Web Dev.pptx
@@ -5,11 +5,20 @@
     <p:sldMasterId id="2147483648" r:id="rId1"/>
   </p:sldMasterIdLst>
   <p:notesMasterIdLst>
-    <p:notesMasterId r:id="rId4"/>
+    <p:notesMasterId r:id="rId13"/>
   </p:notesMasterIdLst>
   <p:sldIdLst>
     <p:sldId id="408" r:id="rId2"/>
     <p:sldId id="409" r:id="rId3"/>
+    <p:sldId id="410" r:id="rId4"/>
+    <p:sldId id="411" r:id="rId5"/>
+    <p:sldId id="412" r:id="rId6"/>
+    <p:sldId id="413" r:id="rId7"/>
+    <p:sldId id="415" r:id="rId8"/>
+    <p:sldId id="414" r:id="rId9"/>
+    <p:sldId id="416" r:id="rId10"/>
+    <p:sldId id="417" r:id="rId11"/>
+    <p:sldId id="418" r:id="rId12"/>
   </p:sldIdLst>
   <p:sldSz cx="12192000" cy="6858000"/>
   <p:notesSz cx="6858000" cy="9144000"/>
@@ -118,6 +127,15 @@
           <p14:sldIdLst>
             <p14:sldId id="408"/>
             <p14:sldId id="409"/>
+            <p14:sldId id="410"/>
+            <p14:sldId id="411"/>
+            <p14:sldId id="412"/>
+            <p14:sldId id="413"/>
+            <p14:sldId id="415"/>
+            <p14:sldId id="414"/>
+            <p14:sldId id="416"/>
+            <p14:sldId id="417"/>
+            <p14:sldId id="418"/>
           </p14:sldIdLst>
         </p14:section>
       </p14:sectionLst>
@@ -222,7 +240,7 @@
           <a:p>
             <a:fld id="{B53C1D94-E0DD-4250-8C1B-3D8C3DA9B2B6}" type="datetimeFigureOut">
               <a:rPr lang="he-IL" smtClean="0"/>
-              <a:t>כ"ז/סיון/תשע"ט</a:t>
+              <a:t>י"ח/תמוז/תשע"ט</a:t>
             </a:fld>
             <a:endParaRPr lang="he-IL"/>
           </a:p>
@@ -590,6 +608,873 @@
 </p:notes>
 </file>
 
+<file path=ppt/notesSlides/notesSlide10.xml><?xml version="1.0" encoding="utf-8"?>
+<p:notes xmlns:a="http://schemas.openxmlformats.org/drawingml/2006/main" xmlns:r="http://schemas.openxmlformats.org/officeDocument/2006/relationships" xmlns:p="http://schemas.openxmlformats.org/presentationml/2006/main">
+  <p:cSld>
+    <p:spTree>
+      <p:nvGrpSpPr>
+        <p:cNvPr id="1" name=""/>
+        <p:cNvGrpSpPr/>
+        <p:nvPr/>
+      </p:nvGrpSpPr>
+      <p:grpSpPr>
+        <a:xfrm>
+          <a:off x="0" y="0"/>
+          <a:ext cx="0" cy="0"/>
+          <a:chOff x="0" y="0"/>
+          <a:chExt cx="0" cy="0"/>
+        </a:xfrm>
+      </p:grpSpPr>
+      <p:sp>
+        <p:nvSpPr>
+          <p:cNvPr id="2" name="Slide Image Placeholder 1"/>
+          <p:cNvSpPr>
+            <a:spLocks noGrp="1" noRot="1" noChangeAspect="1"/>
+          </p:cNvSpPr>
+          <p:nvPr>
+            <p:ph type="sldImg"/>
+          </p:nvPr>
+        </p:nvSpPr>
+        <p:spPr/>
+      </p:sp>
+      <p:sp>
+        <p:nvSpPr>
+          <p:cNvPr id="3" name="Notes Placeholder 2"/>
+          <p:cNvSpPr>
+            <a:spLocks noGrp="1"/>
+          </p:cNvSpPr>
+          <p:nvPr>
+            <p:ph type="body" idx="1"/>
+          </p:nvPr>
+        </p:nvSpPr>
+        <p:spPr/>
+        <p:txBody>
+          <a:bodyPr/>
+          <a:lstStyle/>
+          <a:p>
+            <a:pPr marL="0" marR="0" lvl="0" indent="0" algn="l" defTabSz="914400" rtl="0" eaLnBrk="1" fontAlgn="auto" latinLnBrk="0" hangingPunct="1">
+              <a:lnSpc>
+                <a:spcPct val="100000"/>
+              </a:lnSpc>
+              <a:spcBef>
+                <a:spcPts val="0"/>
+              </a:spcBef>
+              <a:spcAft>
+                <a:spcPts val="0"/>
+              </a:spcAft>
+              <a:buClrTx/>
+              <a:buSzTx/>
+              <a:buFontTx/>
+              <a:buNone/>
+              <a:tabLst/>
+              <a:defRPr/>
+            </a:pPr>
+            <a:r>
+              <a:rPr lang="en-US" b="0" dirty="0"/>
+              <a:t>Open or Closed Breakpoints?</a:t>
+            </a:r>
+          </a:p>
+          <a:p>
+            <a:pPr marL="0" marR="0" lvl="0" indent="0" algn="l" defTabSz="914400" rtl="0" eaLnBrk="1" fontAlgn="auto" latinLnBrk="0" hangingPunct="1">
+              <a:lnSpc>
+                <a:spcPct val="100000"/>
+              </a:lnSpc>
+              <a:spcBef>
+                <a:spcPts val="0"/>
+              </a:spcBef>
+              <a:spcAft>
+                <a:spcPts val="0"/>
+              </a:spcAft>
+              <a:buClrTx/>
+              <a:buSzTx/>
+              <a:buFontTx/>
+              <a:buNone/>
+              <a:tabLst/>
+              <a:defRPr/>
+            </a:pPr>
+            <a:endParaRPr lang="en-US" b="0" dirty="0"/>
+          </a:p>
+          <a:p>
+            <a:pPr marL="0" marR="0" lvl="0" indent="0" algn="l" defTabSz="914400" rtl="0" eaLnBrk="1" fontAlgn="auto" latinLnBrk="0" hangingPunct="1">
+              <a:lnSpc>
+                <a:spcPct val="100000"/>
+              </a:lnSpc>
+              <a:spcBef>
+                <a:spcPts val="0"/>
+              </a:spcBef>
+              <a:spcAft>
+                <a:spcPts val="0"/>
+              </a:spcAft>
+              <a:buClrTx/>
+              <a:buSzTx/>
+              <a:buFontTx/>
+              <a:buNone/>
+              <a:tabLst/>
+              <a:defRPr/>
+            </a:pPr>
+            <a:r>
+              <a:rPr lang="en-US" b="0" dirty="0"/>
+              <a:t>What is open breakpoint?</a:t>
+            </a:r>
+          </a:p>
+          <a:p>
+            <a:pPr marL="0" marR="0" lvl="0" indent="0" algn="l" defTabSz="914400" rtl="0" eaLnBrk="1" fontAlgn="auto" latinLnBrk="0" hangingPunct="1">
+              <a:lnSpc>
+                <a:spcPct val="100000"/>
+              </a:lnSpc>
+              <a:spcBef>
+                <a:spcPts val="0"/>
+              </a:spcBef>
+              <a:spcAft>
+                <a:spcPts val="0"/>
+              </a:spcAft>
+              <a:buClrTx/>
+              <a:buSzTx/>
+              <a:buFontTx/>
+              <a:buNone/>
+              <a:tabLst/>
+              <a:defRPr/>
+            </a:pPr>
+            <a:r>
+              <a:rPr lang="en-US" b="0" dirty="0"/>
+              <a:t>A break point without closing (till infinite), like bigger then 500px, min-width 480px etc.</a:t>
+            </a:r>
+          </a:p>
+          <a:p>
+            <a:pPr marL="0" marR="0" lvl="0" indent="0" algn="l" defTabSz="914400" rtl="0" eaLnBrk="1" fontAlgn="auto" latinLnBrk="0" hangingPunct="1">
+              <a:lnSpc>
+                <a:spcPct val="100000"/>
+              </a:lnSpc>
+              <a:spcBef>
+                <a:spcPts val="0"/>
+              </a:spcBef>
+              <a:spcAft>
+                <a:spcPts val="0"/>
+              </a:spcAft>
+              <a:buClrTx/>
+              <a:buSzTx/>
+              <a:buFontTx/>
+              <a:buNone/>
+              <a:tabLst/>
+              <a:defRPr/>
+            </a:pPr>
+            <a:endParaRPr lang="en-US" b="0" dirty="0"/>
+          </a:p>
+          <a:p>
+            <a:pPr marL="0" marR="0" lvl="0" indent="0" algn="l" defTabSz="914400" rtl="0" eaLnBrk="1" fontAlgn="auto" latinLnBrk="0" hangingPunct="1">
+              <a:lnSpc>
+                <a:spcPct val="100000"/>
+              </a:lnSpc>
+              <a:spcBef>
+                <a:spcPts val="0"/>
+              </a:spcBef>
+              <a:spcAft>
+                <a:spcPts val="0"/>
+              </a:spcAft>
+              <a:buClrTx/>
+              <a:buSzTx/>
+              <a:buFontTx/>
+              <a:buNone/>
+              <a:tabLst/>
+              <a:defRPr/>
+            </a:pPr>
+            <a:r>
+              <a:rPr lang="en-US" b="0" dirty="0"/>
+              <a:t>What is a close breakpoint?</a:t>
+            </a:r>
+          </a:p>
+          <a:p>
+            <a:pPr marL="0" marR="0" lvl="0" indent="0" algn="l" defTabSz="914400" rtl="0" eaLnBrk="1" fontAlgn="auto" latinLnBrk="0" hangingPunct="1">
+              <a:lnSpc>
+                <a:spcPct val="100000"/>
+              </a:lnSpc>
+              <a:spcBef>
+                <a:spcPts val="0"/>
+              </a:spcBef>
+              <a:spcAft>
+                <a:spcPts val="0"/>
+              </a:spcAft>
+              <a:buClrTx/>
+              <a:buSzTx/>
+              <a:buFontTx/>
+              <a:buNone/>
+              <a:tabLst/>
+              <a:defRPr/>
+            </a:pPr>
+            <a:r>
+              <a:rPr lang="en-US" b="0" dirty="0"/>
+              <a:t>It’s a range breakpoint, we are working from A to B range like from 500px to 1000px.</a:t>
+            </a:r>
+          </a:p>
+          <a:p>
+            <a:pPr marL="0" marR="0" lvl="0" indent="0" algn="l" defTabSz="914400" rtl="0" eaLnBrk="1" fontAlgn="auto" latinLnBrk="0" hangingPunct="1">
+              <a:lnSpc>
+                <a:spcPct val="100000"/>
+              </a:lnSpc>
+              <a:spcBef>
+                <a:spcPts val="0"/>
+              </a:spcBef>
+              <a:spcAft>
+                <a:spcPts val="0"/>
+              </a:spcAft>
+              <a:buClrTx/>
+              <a:buSzTx/>
+              <a:buFontTx/>
+              <a:buNone/>
+              <a:tabLst/>
+              <a:defRPr/>
+            </a:pPr>
+            <a:endParaRPr lang="en-US" b="0" dirty="0"/>
+          </a:p>
+          <a:p>
+            <a:pPr marL="0" marR="0" lvl="0" indent="0" algn="l" defTabSz="914400" rtl="0" eaLnBrk="1" fontAlgn="auto" latinLnBrk="0" hangingPunct="1">
+              <a:lnSpc>
+                <a:spcPct val="100000"/>
+              </a:lnSpc>
+              <a:spcBef>
+                <a:spcPts val="0"/>
+              </a:spcBef>
+              <a:spcAft>
+                <a:spcPts val="0"/>
+              </a:spcAft>
+              <a:buClrTx/>
+              <a:buSzTx/>
+              <a:buFontTx/>
+              <a:buNone/>
+              <a:tabLst/>
+              <a:defRPr/>
+            </a:pPr>
+            <a:r>
+              <a:rPr lang="en-US" b="0" dirty="0"/>
+              <a:t>Open or Closed Breakpoints?</a:t>
+            </a:r>
+          </a:p>
+          <a:p>
+            <a:pPr marL="0" marR="0" lvl="0" indent="0" algn="l" defTabSz="914400" rtl="0" eaLnBrk="1" fontAlgn="auto" latinLnBrk="0" hangingPunct="1">
+              <a:lnSpc>
+                <a:spcPct val="100000"/>
+              </a:lnSpc>
+              <a:spcBef>
+                <a:spcPts val="0"/>
+              </a:spcBef>
+              <a:spcAft>
+                <a:spcPts val="0"/>
+              </a:spcAft>
+              <a:buClrTx/>
+              <a:buSzTx/>
+              <a:buFontTx/>
+              <a:buNone/>
+              <a:tabLst/>
+              <a:defRPr/>
+            </a:pPr>
+            <a:endParaRPr lang="en-US" b="0" dirty="0"/>
+          </a:p>
+          <a:p>
+            <a:pPr marL="0" marR="0" lvl="0" indent="0" algn="l" defTabSz="914400" rtl="0" eaLnBrk="1" fontAlgn="auto" latinLnBrk="0" hangingPunct="1">
+              <a:lnSpc>
+                <a:spcPct val="100000"/>
+              </a:lnSpc>
+              <a:spcBef>
+                <a:spcPts val="0"/>
+              </a:spcBef>
+              <a:spcAft>
+                <a:spcPts val="0"/>
+              </a:spcAft>
+              <a:buClrTx/>
+              <a:buSzTx/>
+              <a:buFontTx/>
+              <a:buNone/>
+              <a:tabLst/>
+              <a:defRPr/>
+            </a:pPr>
+            <a:r>
+              <a:rPr lang="en-US" b="0" dirty="0"/>
+              <a:t>Don’t use open breakpoint, why?</a:t>
+            </a:r>
+          </a:p>
+          <a:p>
+            <a:pPr marL="171450" marR="0" lvl="0" indent="-171450" algn="l" defTabSz="914400" rtl="0" eaLnBrk="1" fontAlgn="auto" latinLnBrk="0" hangingPunct="1">
+              <a:lnSpc>
+                <a:spcPct val="100000"/>
+              </a:lnSpc>
+              <a:spcBef>
+                <a:spcPts val="0"/>
+              </a:spcBef>
+              <a:spcAft>
+                <a:spcPts val="0"/>
+              </a:spcAft>
+              <a:buClrTx/>
+              <a:buSzTx/>
+              <a:buFontTx/>
+              <a:buChar char="-"/>
+              <a:tabLst/>
+              <a:defRPr/>
+            </a:pPr>
+            <a:r>
+              <a:rPr lang="en-US" b="0" dirty="0"/>
+              <a:t>We probably will have a lot of overrides which will make it hard to understand who is applying what and hard to read the styles on the element.</a:t>
+            </a:r>
+          </a:p>
+          <a:p>
+            <a:pPr marL="171450" marR="0" lvl="0" indent="-171450" algn="l" defTabSz="914400" rtl="0" eaLnBrk="1" fontAlgn="auto" latinLnBrk="0" hangingPunct="1">
+              <a:lnSpc>
+                <a:spcPct val="100000"/>
+              </a:lnSpc>
+              <a:spcBef>
+                <a:spcPts val="0"/>
+              </a:spcBef>
+              <a:spcAft>
+                <a:spcPts val="0"/>
+              </a:spcAft>
+              <a:buClrTx/>
+              <a:buSzTx/>
+              <a:buFontTx/>
+              <a:buChar char="-"/>
+              <a:tabLst/>
+              <a:defRPr/>
+            </a:pPr>
+            <a:r>
+              <a:rPr lang="en-US" b="0" dirty="0"/>
+              <a:t>The order of writing the styles is important (last line will override first line)</a:t>
+            </a:r>
+          </a:p>
+          <a:p>
+            <a:pPr marL="171450" marR="0" lvl="0" indent="-171450" algn="l" defTabSz="914400" rtl="0" eaLnBrk="1" fontAlgn="auto" latinLnBrk="0" hangingPunct="1">
+              <a:lnSpc>
+                <a:spcPct val="100000"/>
+              </a:lnSpc>
+              <a:spcBef>
+                <a:spcPts val="0"/>
+              </a:spcBef>
+              <a:spcAft>
+                <a:spcPts val="0"/>
+              </a:spcAft>
+              <a:buClrTx/>
+              <a:buSzTx/>
+              <a:buFontTx/>
+              <a:buChar char="-"/>
+              <a:tabLst/>
+              <a:defRPr/>
+            </a:pPr>
+            <a:r>
+              <a:rPr lang="en-US" b="0" dirty="0"/>
+              <a:t>Encapsulation – we don’t need to worry that if we change some style in one break it will effect other screen (we are working in ranges so only the range we changed will effected)</a:t>
+            </a:r>
+          </a:p>
+          <a:p>
+            <a:pPr marL="171450" marR="0" lvl="0" indent="-171450" algn="l" defTabSz="914400" rtl="0" eaLnBrk="1" fontAlgn="auto" latinLnBrk="0" hangingPunct="1">
+              <a:lnSpc>
+                <a:spcPct val="100000"/>
+              </a:lnSpc>
+              <a:spcBef>
+                <a:spcPts val="0"/>
+              </a:spcBef>
+              <a:spcAft>
+                <a:spcPts val="0"/>
+              </a:spcAft>
+              <a:buClrTx/>
+              <a:buSzTx/>
+              <a:buFontTx/>
+              <a:buChar char="-"/>
+              <a:tabLst/>
+              <a:defRPr/>
+            </a:pPr>
+            <a:endParaRPr lang="en-US" b="0" dirty="0"/>
+          </a:p>
+          <a:p>
+            <a:pPr marL="0" marR="0" lvl="0" indent="0" algn="l" defTabSz="914400" rtl="0" eaLnBrk="1" fontAlgn="auto" latinLnBrk="0" hangingPunct="1">
+              <a:lnSpc>
+                <a:spcPct val="100000"/>
+              </a:lnSpc>
+              <a:spcBef>
+                <a:spcPts val="0"/>
+              </a:spcBef>
+              <a:spcAft>
+                <a:spcPts val="0"/>
+              </a:spcAft>
+              <a:buClrTx/>
+              <a:buSzTx/>
+              <a:buFontTx/>
+              <a:buNone/>
+              <a:tabLst/>
+              <a:defRPr/>
+            </a:pPr>
+            <a:r>
+              <a:rPr lang="en-US" b="0" dirty="0"/>
+              <a:t>Use only close breakpoints, why?</a:t>
+            </a:r>
+          </a:p>
+          <a:p>
+            <a:pPr marL="0" marR="0" lvl="0" indent="0" algn="l" defTabSz="914400" rtl="0" eaLnBrk="1" fontAlgn="auto" latinLnBrk="0" hangingPunct="1">
+              <a:lnSpc>
+                <a:spcPct val="100000"/>
+              </a:lnSpc>
+              <a:spcBef>
+                <a:spcPts val="0"/>
+              </a:spcBef>
+              <a:spcAft>
+                <a:spcPts val="0"/>
+              </a:spcAft>
+              <a:buClrTx/>
+              <a:buSzTx/>
+              <a:buFontTx/>
+              <a:buNone/>
+              <a:tabLst/>
+              <a:defRPr/>
+            </a:pPr>
+            <a:r>
+              <a:rPr lang="en-US" b="0" dirty="0"/>
+              <a:t>If we will write something for desktop and then the size changed to mobile, when we will inspect the element desktop styles will not appears because it’s a close breakpoints.</a:t>
+            </a:r>
+          </a:p>
+          <a:p>
+            <a:pPr marL="0" marR="0" lvl="0" indent="0" algn="l" defTabSz="914400" rtl="0" eaLnBrk="1" fontAlgn="auto" latinLnBrk="0" hangingPunct="1">
+              <a:lnSpc>
+                <a:spcPct val="100000"/>
+              </a:lnSpc>
+              <a:spcBef>
+                <a:spcPts val="0"/>
+              </a:spcBef>
+              <a:spcAft>
+                <a:spcPts val="0"/>
+              </a:spcAft>
+              <a:buClrTx/>
+              <a:buSzTx/>
+              <a:buFontTx/>
+              <a:buNone/>
+              <a:tabLst/>
+              <a:defRPr/>
+            </a:pPr>
+            <a:r>
+              <a:rPr lang="en-US" b="0" dirty="0"/>
+              <a:t>Use only close except the last one because it can’t be close.</a:t>
+            </a:r>
+          </a:p>
+          <a:p>
+            <a:pPr marL="0" marR="0" lvl="0" indent="0" algn="l" defTabSz="914400" rtl="0" eaLnBrk="1" fontAlgn="auto" latinLnBrk="0" hangingPunct="1">
+              <a:lnSpc>
+                <a:spcPct val="100000"/>
+              </a:lnSpc>
+              <a:spcBef>
+                <a:spcPts val="0"/>
+              </a:spcBef>
+              <a:spcAft>
+                <a:spcPts val="0"/>
+              </a:spcAft>
+              <a:buClrTx/>
+              <a:buSzTx/>
+              <a:buFontTx/>
+              <a:buNone/>
+              <a:tabLst/>
+              <a:defRPr/>
+            </a:pPr>
+            <a:endParaRPr lang="en-US" b="0" dirty="0"/>
+          </a:p>
+          <a:p>
+            <a:pPr marL="0" marR="0" lvl="0" indent="0" algn="l" defTabSz="914400" rtl="0" eaLnBrk="1" fontAlgn="auto" latinLnBrk="0" hangingPunct="1">
+              <a:lnSpc>
+                <a:spcPct val="100000"/>
+              </a:lnSpc>
+              <a:spcBef>
+                <a:spcPts val="0"/>
+              </a:spcBef>
+              <a:spcAft>
+                <a:spcPts val="0"/>
+              </a:spcAft>
+              <a:buClrTx/>
+              <a:buSzTx/>
+              <a:buFontTx/>
+              <a:buNone/>
+              <a:tabLst/>
+              <a:defRPr/>
+            </a:pPr>
+            <a:r>
+              <a:rPr lang="en-US" b="0" dirty="0"/>
+              <a:t>What if I need same styles for 2 breakpoints? I will duplicate the code?</a:t>
+            </a:r>
+          </a:p>
+          <a:p>
+            <a:pPr marL="0" marR="0" lvl="0" indent="0" algn="l" defTabSz="914400" rtl="0" eaLnBrk="1" fontAlgn="auto" latinLnBrk="0" hangingPunct="1">
+              <a:lnSpc>
+                <a:spcPct val="100000"/>
+              </a:lnSpc>
+              <a:spcBef>
+                <a:spcPts val="0"/>
+              </a:spcBef>
+              <a:spcAft>
+                <a:spcPts val="0"/>
+              </a:spcAft>
+              <a:buClrTx/>
+              <a:buSzTx/>
+              <a:buFontTx/>
+              <a:buNone/>
+              <a:tabLst/>
+              <a:defRPr/>
+            </a:pPr>
+            <a:r>
+              <a:rPr lang="en-US" b="0" dirty="0"/>
+              <a:t>No, we can use CSS “,” the ”or” sign to cascade it.</a:t>
+            </a:r>
+          </a:p>
+          <a:p>
+            <a:pPr marL="0" marR="0" lvl="0" indent="0" algn="l" defTabSz="914400" rtl="0" eaLnBrk="1" fontAlgn="auto" latinLnBrk="0" hangingPunct="1">
+              <a:lnSpc>
+                <a:spcPct val="100000"/>
+              </a:lnSpc>
+              <a:spcBef>
+                <a:spcPts val="0"/>
+              </a:spcBef>
+              <a:spcAft>
+                <a:spcPts val="0"/>
+              </a:spcAft>
+              <a:buClrTx/>
+              <a:buSzTx/>
+              <a:buFontTx/>
+              <a:buNone/>
+              <a:tabLst/>
+              <a:defRPr/>
+            </a:pPr>
+            <a:endParaRPr lang="en-US" b="0" dirty="0"/>
+          </a:p>
+          <a:p>
+            <a:pPr marL="0" marR="0" lvl="0" indent="0" algn="l" defTabSz="914400" rtl="0" eaLnBrk="1" fontAlgn="auto" latinLnBrk="0" hangingPunct="1">
+              <a:lnSpc>
+                <a:spcPct val="100000"/>
+              </a:lnSpc>
+              <a:spcBef>
+                <a:spcPts val="0"/>
+              </a:spcBef>
+              <a:spcAft>
+                <a:spcPts val="0"/>
+              </a:spcAft>
+              <a:buClrTx/>
+              <a:buSzTx/>
+              <a:buFontTx/>
+              <a:buNone/>
+              <a:tabLst/>
+              <a:defRPr/>
+            </a:pPr>
+            <a:endParaRPr lang="en-US" b="0" dirty="0"/>
+          </a:p>
+        </p:txBody>
+      </p:sp>
+      <p:sp>
+        <p:nvSpPr>
+          <p:cNvPr id="4" name="Slide Number Placeholder 3"/>
+          <p:cNvSpPr>
+            <a:spLocks noGrp="1"/>
+          </p:cNvSpPr>
+          <p:nvPr>
+            <p:ph type="sldNum" sz="quarter" idx="10"/>
+          </p:nvPr>
+        </p:nvSpPr>
+        <p:spPr/>
+        <p:txBody>
+          <a:bodyPr/>
+          <a:lstStyle/>
+          <a:p>
+            <a:fld id="{595D0871-5AD0-4670-BDA8-FBE649F625DD}" type="slidenum">
+              <a:rPr lang="he-IL" smtClean="0"/>
+              <a:t>10</a:t>
+            </a:fld>
+            <a:endParaRPr lang="he-IL"/>
+          </a:p>
+        </p:txBody>
+      </p:sp>
+    </p:spTree>
+    <p:extLst>
+      <p:ext uri="{BB962C8B-B14F-4D97-AF65-F5344CB8AC3E}">
+        <p14:creationId xmlns:p14="http://schemas.microsoft.com/office/powerpoint/2010/main" val="3247673780"/>
+      </p:ext>
+    </p:extLst>
+  </p:cSld>
+  <p:clrMapOvr>
+    <a:masterClrMapping/>
+  </p:clrMapOvr>
+</p:notes>
+</file>
+
+<file path=ppt/notesSlides/notesSlide11.xml><?xml version="1.0" encoding="utf-8"?>
+<p:notes xmlns:a="http://schemas.openxmlformats.org/drawingml/2006/main" xmlns:r="http://schemas.openxmlformats.org/officeDocument/2006/relationships" xmlns:p="http://schemas.openxmlformats.org/presentationml/2006/main">
+  <p:cSld>
+    <p:spTree>
+      <p:nvGrpSpPr>
+        <p:cNvPr id="1" name=""/>
+        <p:cNvGrpSpPr/>
+        <p:nvPr/>
+      </p:nvGrpSpPr>
+      <p:grpSpPr>
+        <a:xfrm>
+          <a:off x="0" y="0"/>
+          <a:ext cx="0" cy="0"/>
+          <a:chOff x="0" y="0"/>
+          <a:chExt cx="0" cy="0"/>
+        </a:xfrm>
+      </p:grpSpPr>
+      <p:sp>
+        <p:nvSpPr>
+          <p:cNvPr id="2" name="Slide Image Placeholder 1"/>
+          <p:cNvSpPr>
+            <a:spLocks noGrp="1" noRot="1" noChangeAspect="1"/>
+          </p:cNvSpPr>
+          <p:nvPr>
+            <p:ph type="sldImg"/>
+          </p:nvPr>
+        </p:nvSpPr>
+        <p:spPr/>
+      </p:sp>
+      <p:sp>
+        <p:nvSpPr>
+          <p:cNvPr id="3" name="Notes Placeholder 2"/>
+          <p:cNvSpPr>
+            <a:spLocks noGrp="1"/>
+          </p:cNvSpPr>
+          <p:nvPr>
+            <p:ph type="body" idx="1"/>
+          </p:nvPr>
+        </p:nvSpPr>
+        <p:spPr/>
+        <p:txBody>
+          <a:bodyPr/>
+          <a:lstStyle/>
+          <a:p>
+            <a:pPr marL="0" marR="0" lvl="0" indent="0" algn="l" defTabSz="914400" rtl="0" eaLnBrk="1" fontAlgn="auto" latinLnBrk="0" hangingPunct="1">
+              <a:lnSpc>
+                <a:spcPct val="100000"/>
+              </a:lnSpc>
+              <a:spcBef>
+                <a:spcPts val="0"/>
+              </a:spcBef>
+              <a:spcAft>
+                <a:spcPts val="0"/>
+              </a:spcAft>
+              <a:buClrTx/>
+              <a:buSzTx/>
+              <a:buFontTx/>
+              <a:buNone/>
+              <a:tabLst/>
+              <a:defRPr/>
+            </a:pPr>
+            <a:r>
+              <a:rPr lang="en-US" b="0" dirty="0"/>
+              <a:t>So mobile or desktop first?</a:t>
+            </a:r>
+          </a:p>
+          <a:p>
+            <a:pPr marL="0" marR="0" lvl="0" indent="0" algn="l" defTabSz="914400" rtl="0" eaLnBrk="1" fontAlgn="auto" latinLnBrk="0" hangingPunct="1">
+              <a:lnSpc>
+                <a:spcPct val="100000"/>
+              </a:lnSpc>
+              <a:spcBef>
+                <a:spcPts val="0"/>
+              </a:spcBef>
+              <a:spcAft>
+                <a:spcPts val="0"/>
+              </a:spcAft>
+              <a:buClrTx/>
+              <a:buSzTx/>
+              <a:buFontTx/>
+              <a:buNone/>
+              <a:tabLst/>
+              <a:defRPr/>
+            </a:pPr>
+            <a:r>
+              <a:rPr lang="en-US" b="0" dirty="0"/>
+              <a:t>Let’s talk a look at the following example.</a:t>
+            </a:r>
+          </a:p>
+          <a:p>
+            <a:pPr marL="0" marR="0" lvl="0" indent="0" algn="l" defTabSz="914400" rtl="0" eaLnBrk="1" fontAlgn="auto" latinLnBrk="0" hangingPunct="1">
+              <a:lnSpc>
+                <a:spcPct val="100000"/>
+              </a:lnSpc>
+              <a:spcBef>
+                <a:spcPts val="0"/>
+              </a:spcBef>
+              <a:spcAft>
+                <a:spcPts val="0"/>
+              </a:spcAft>
+              <a:buClrTx/>
+              <a:buSzTx/>
+              <a:buFontTx/>
+              <a:buNone/>
+              <a:tabLst/>
+              <a:defRPr/>
+            </a:pPr>
+            <a:r>
+              <a:rPr lang="en-US" b="0" dirty="0"/>
+              <a:t>If I will create it first to desktop and then to mobile I will have a lot of overrides,</a:t>
+            </a:r>
+          </a:p>
+          <a:p>
+            <a:pPr marL="0" marR="0" lvl="0" indent="0" algn="l" defTabSz="914400" rtl="0" eaLnBrk="1" fontAlgn="auto" latinLnBrk="0" hangingPunct="1">
+              <a:lnSpc>
+                <a:spcPct val="100000"/>
+              </a:lnSpc>
+              <a:spcBef>
+                <a:spcPts val="0"/>
+              </a:spcBef>
+              <a:spcAft>
+                <a:spcPts val="0"/>
+              </a:spcAft>
+              <a:buClrTx/>
+              <a:buSzTx/>
+              <a:buFontTx/>
+              <a:buNone/>
+              <a:tabLst/>
+              <a:defRPr/>
+            </a:pPr>
+            <a:r>
+              <a:rPr lang="en-US" b="0" dirty="0"/>
+              <a:t>If I will start from mobile to desktop I will also have a lot of overrides</a:t>
+            </a:r>
+          </a:p>
+          <a:p>
+            <a:pPr marL="0" marR="0" lvl="0" indent="0" algn="l" defTabSz="914400" rtl="0" eaLnBrk="1" fontAlgn="auto" latinLnBrk="0" hangingPunct="1">
+              <a:lnSpc>
+                <a:spcPct val="100000"/>
+              </a:lnSpc>
+              <a:spcBef>
+                <a:spcPts val="0"/>
+              </a:spcBef>
+              <a:spcAft>
+                <a:spcPts val="0"/>
+              </a:spcAft>
+              <a:buClrTx/>
+              <a:buSzTx/>
+              <a:buFontTx/>
+              <a:buNone/>
+              <a:tabLst/>
+              <a:defRPr/>
+            </a:pPr>
+            <a:endParaRPr lang="en-US" b="0" dirty="0"/>
+          </a:p>
+          <a:p>
+            <a:pPr marL="0" marR="0" lvl="0" indent="0" algn="l" defTabSz="914400" rtl="0" eaLnBrk="1" fontAlgn="auto" latinLnBrk="0" hangingPunct="1">
+              <a:lnSpc>
+                <a:spcPct val="100000"/>
+              </a:lnSpc>
+              <a:spcBef>
+                <a:spcPts val="0"/>
+              </a:spcBef>
+              <a:spcAft>
+                <a:spcPts val="0"/>
+              </a:spcAft>
+              <a:buClrTx/>
+              <a:buSzTx/>
+              <a:buFontTx/>
+              <a:buNone/>
+              <a:tabLst/>
+              <a:defRPr/>
+            </a:pPr>
+            <a:r>
+              <a:rPr lang="en-US" b="0" dirty="0"/>
+              <a:t>So, what to choose?</a:t>
+            </a:r>
+          </a:p>
+          <a:p>
+            <a:pPr algn="l" rtl="0"/>
+            <a:r>
+              <a:rPr lang="en-US" sz="1200" b="0" i="0" u="none" strike="noStrike" kern="1200" dirty="0">
+                <a:solidFill>
+                  <a:schemeClr val="tx1"/>
+                </a:solidFill>
+                <a:effectLst/>
+                <a:latin typeface="+mn-lt"/>
+                <a:ea typeface="+mn-ea"/>
+                <a:cs typeface="+mn-cs"/>
+              </a:rPr>
+              <a:t>Base First - In this method of responsive design, we declare only the common styles for our component, and in our breakpoints we are just adding more styles to our component, and because of that we prevent style overriding in our breakpoints.</a:t>
+            </a:r>
+            <a:endParaRPr lang="en-US" b="0" dirty="0">
+              <a:effectLst/>
+            </a:endParaRPr>
+          </a:p>
+          <a:p>
+            <a:pPr algn="l" rtl="0"/>
+            <a:br>
+              <a:rPr lang="en-US" dirty="0"/>
+            </a:br>
+            <a:r>
+              <a:rPr lang="en-US" dirty="0"/>
+              <a:t>All the common styles we will put at the first line,</a:t>
+            </a:r>
+          </a:p>
+          <a:p>
+            <a:pPr algn="l" rtl="0"/>
+            <a:r>
+              <a:rPr lang="en-US" b="0" dirty="0">
+                <a:effectLst/>
+              </a:rPr>
+              <a:t>If we have common styles for tablet and desktop it will be under #{$break2}, #{$break3}.</a:t>
+            </a:r>
+          </a:p>
+          <a:p>
+            <a:pPr algn="l" rtl="0"/>
+            <a:r>
+              <a:rPr lang="en-US" b="0" dirty="0">
+                <a:effectLst/>
+              </a:rPr>
+              <a:t>Styles for only mobile will be under break1 etc.</a:t>
+            </a:r>
+          </a:p>
+          <a:p>
+            <a:pPr algn="l" rtl="0"/>
+            <a:r>
+              <a:rPr lang="en-US" dirty="0"/>
+              <a:t>So if there are </a:t>
+            </a:r>
+            <a:r>
+              <a:rPr lang="en-US"/>
+              <a:t>changes which </a:t>
+            </a:r>
+            <a:r>
+              <a:rPr lang="en-US" dirty="0"/>
+              <a:t>are relevant to desktop only we will change  it only under break3 and will not afraid we mess up table or mobile</a:t>
+            </a:r>
+            <a:br>
+              <a:rPr lang="en-US" dirty="0"/>
+            </a:br>
+            <a:endParaRPr lang="en-US" b="0" dirty="0"/>
+          </a:p>
+        </p:txBody>
+      </p:sp>
+      <p:sp>
+        <p:nvSpPr>
+          <p:cNvPr id="4" name="Slide Number Placeholder 3"/>
+          <p:cNvSpPr>
+            <a:spLocks noGrp="1"/>
+          </p:cNvSpPr>
+          <p:nvPr>
+            <p:ph type="sldNum" sz="quarter" idx="10"/>
+          </p:nvPr>
+        </p:nvSpPr>
+        <p:spPr/>
+        <p:txBody>
+          <a:bodyPr/>
+          <a:lstStyle/>
+          <a:p>
+            <a:fld id="{595D0871-5AD0-4670-BDA8-FBE649F625DD}" type="slidenum">
+              <a:rPr lang="he-IL" smtClean="0"/>
+              <a:t>11</a:t>
+            </a:fld>
+            <a:endParaRPr lang="he-IL"/>
+          </a:p>
+        </p:txBody>
+      </p:sp>
+    </p:spTree>
+    <p:extLst>
+      <p:ext uri="{BB962C8B-B14F-4D97-AF65-F5344CB8AC3E}">
+        <p14:creationId xmlns:p14="http://schemas.microsoft.com/office/powerpoint/2010/main" val="3985951391"/>
+      </p:ext>
+    </p:extLst>
+  </p:cSld>
+  <p:clrMapOvr>
+    <a:masterClrMapping/>
+  </p:clrMapOvr>
+</p:notes>
+</file>
+
 <file path=ppt/notesSlides/notesSlide2.xml><?xml version="1.0" encoding="utf-8"?>
 <p:notes xmlns:a="http://schemas.openxmlformats.org/drawingml/2006/main" xmlns:r="http://schemas.openxmlformats.org/officeDocument/2006/relationships" xmlns:p="http://schemas.openxmlformats.org/presentationml/2006/main">
   <p:cSld>
@@ -653,6 +1538,118 @@
             </a:pPr>
             <a:endParaRPr lang="en-US" b="0" dirty="0"/>
           </a:p>
+          <a:p>
+            <a:pPr marL="0" marR="0" lvl="0" indent="0" algn="l" defTabSz="914400" rtl="0" eaLnBrk="1" fontAlgn="auto" latinLnBrk="0" hangingPunct="1">
+              <a:lnSpc>
+                <a:spcPct val="100000"/>
+              </a:lnSpc>
+              <a:spcBef>
+                <a:spcPts val="0"/>
+              </a:spcBef>
+              <a:spcAft>
+                <a:spcPts val="0"/>
+              </a:spcAft>
+              <a:buClrTx/>
+              <a:buSzTx/>
+              <a:buFontTx/>
+              <a:buNone/>
+              <a:tabLst/>
+              <a:defRPr/>
+            </a:pPr>
+            <a:endParaRPr lang="en-US" b="0" dirty="0"/>
+          </a:p>
+          <a:p>
+            <a:pPr marL="0" marR="0" lvl="0" indent="0" algn="l" defTabSz="914400" rtl="0" eaLnBrk="1" fontAlgn="auto" latinLnBrk="0" hangingPunct="1">
+              <a:lnSpc>
+                <a:spcPct val="100000"/>
+              </a:lnSpc>
+              <a:spcBef>
+                <a:spcPts val="0"/>
+              </a:spcBef>
+              <a:spcAft>
+                <a:spcPts val="0"/>
+              </a:spcAft>
+              <a:buClrTx/>
+              <a:buSzTx/>
+              <a:buFontTx/>
+              <a:buNone/>
+              <a:tabLst/>
+              <a:defRPr/>
+            </a:pPr>
+            <a:endParaRPr lang="en-US" b="0" dirty="0"/>
+          </a:p>
+          <a:p>
+            <a:pPr marL="0" marR="0" lvl="0" indent="0" algn="l" defTabSz="914400" rtl="0" eaLnBrk="1" fontAlgn="auto" latinLnBrk="0" hangingPunct="1">
+              <a:lnSpc>
+                <a:spcPct val="100000"/>
+              </a:lnSpc>
+              <a:spcBef>
+                <a:spcPts val="0"/>
+              </a:spcBef>
+              <a:spcAft>
+                <a:spcPts val="0"/>
+              </a:spcAft>
+              <a:buClrTx/>
+              <a:buSzTx/>
+              <a:buFontTx/>
+              <a:buNone/>
+              <a:tabLst/>
+              <a:defRPr/>
+            </a:pPr>
+            <a:r>
+              <a:rPr lang="en-US" dirty="0">
+                <a:hlinkClick r:id="rId3"/>
+              </a:rPr>
+              <a:t>https://www.youtube.com/watch?v=fhDGrbXls3M</a:t>
+            </a:r>
+            <a:endParaRPr lang="en-US" dirty="0"/>
+          </a:p>
+          <a:p>
+            <a:pPr marL="0" marR="0" lvl="0" indent="0" algn="l" defTabSz="914400" rtl="0" eaLnBrk="1" fontAlgn="auto" latinLnBrk="0" hangingPunct="1">
+              <a:lnSpc>
+                <a:spcPct val="100000"/>
+              </a:lnSpc>
+              <a:spcBef>
+                <a:spcPts val="0"/>
+              </a:spcBef>
+              <a:spcAft>
+                <a:spcPts val="0"/>
+              </a:spcAft>
+              <a:buClrTx/>
+              <a:buSzTx/>
+              <a:buFontTx/>
+              <a:buNone/>
+              <a:tabLst/>
+              <a:defRPr/>
+            </a:pPr>
+            <a:r>
+              <a:rPr lang="en-US" dirty="0">
+                <a:hlinkClick r:id="rId4"/>
+              </a:rPr>
+              <a:t>https://docs.google.com/presentation/d/15iGuQaLLnWMZqUNZQv-TtN3QB_6ubnVwhAfqgPfhxbY/edit#slide=id.g3b5d2ebe4b_0_36</a:t>
+            </a:r>
+            <a:endParaRPr lang="en-US" dirty="0"/>
+          </a:p>
+          <a:p>
+            <a:pPr marL="0" marR="0" lvl="0" indent="0" algn="l" defTabSz="914400" rtl="0" eaLnBrk="1" fontAlgn="auto" latinLnBrk="0" hangingPunct="1">
+              <a:lnSpc>
+                <a:spcPct val="100000"/>
+              </a:lnSpc>
+              <a:spcBef>
+                <a:spcPts val="0"/>
+              </a:spcBef>
+              <a:spcAft>
+                <a:spcPts val="0"/>
+              </a:spcAft>
+              <a:buClrTx/>
+              <a:buSzTx/>
+              <a:buFontTx/>
+              <a:buNone/>
+              <a:tabLst/>
+              <a:defRPr/>
+            </a:pPr>
+            <a:endParaRPr lang="en-US" b="0" dirty="0"/>
+          </a:p>
         </p:txBody>
       </p:sp>
       <p:sp>
@@ -682,6 +1679,2331 @@
     <p:extLst>
       <p:ext uri="{BB962C8B-B14F-4D97-AF65-F5344CB8AC3E}">
         <p14:creationId xmlns:p14="http://schemas.microsoft.com/office/powerpoint/2010/main" val="1187732096"/>
+      </p:ext>
+    </p:extLst>
+  </p:cSld>
+  <p:clrMapOvr>
+    <a:masterClrMapping/>
+  </p:clrMapOvr>
+</p:notes>
+</file>
+
+<file path=ppt/notesSlides/notesSlide3.xml><?xml version="1.0" encoding="utf-8"?>
+<p:notes xmlns:a="http://schemas.openxmlformats.org/drawingml/2006/main" xmlns:r="http://schemas.openxmlformats.org/officeDocument/2006/relationships" xmlns:p="http://schemas.openxmlformats.org/presentationml/2006/main">
+  <p:cSld>
+    <p:spTree>
+      <p:nvGrpSpPr>
+        <p:cNvPr id="1" name=""/>
+        <p:cNvGrpSpPr/>
+        <p:nvPr/>
+      </p:nvGrpSpPr>
+      <p:grpSpPr>
+        <a:xfrm>
+          <a:off x="0" y="0"/>
+          <a:ext cx="0" cy="0"/>
+          <a:chOff x="0" y="0"/>
+          <a:chExt cx="0" cy="0"/>
+        </a:xfrm>
+      </p:grpSpPr>
+      <p:sp>
+        <p:nvSpPr>
+          <p:cNvPr id="2" name="Slide Image Placeholder 1"/>
+          <p:cNvSpPr>
+            <a:spLocks noGrp="1" noRot="1" noChangeAspect="1"/>
+          </p:cNvSpPr>
+          <p:nvPr>
+            <p:ph type="sldImg"/>
+          </p:nvPr>
+        </p:nvSpPr>
+        <p:spPr/>
+      </p:sp>
+      <p:sp>
+        <p:nvSpPr>
+          <p:cNvPr id="3" name="Notes Placeholder 2"/>
+          <p:cNvSpPr>
+            <a:spLocks noGrp="1"/>
+          </p:cNvSpPr>
+          <p:nvPr>
+            <p:ph type="body" idx="1"/>
+          </p:nvPr>
+        </p:nvSpPr>
+        <p:spPr/>
+        <p:txBody>
+          <a:bodyPr/>
+          <a:lstStyle/>
+          <a:p>
+            <a:pPr marL="0" marR="0" lvl="0" indent="0" algn="l" defTabSz="914400" rtl="0" eaLnBrk="1" fontAlgn="auto" latinLnBrk="0" hangingPunct="1">
+              <a:lnSpc>
+                <a:spcPct val="100000"/>
+              </a:lnSpc>
+              <a:spcBef>
+                <a:spcPts val="0"/>
+              </a:spcBef>
+              <a:spcAft>
+                <a:spcPts val="0"/>
+              </a:spcAft>
+              <a:buClrTx/>
+              <a:buSzTx/>
+              <a:buFontTx/>
+              <a:buNone/>
+              <a:tabLst/>
+              <a:defRPr/>
+            </a:pPr>
+            <a:r>
+              <a:rPr lang="en-US" b="0" dirty="0"/>
+              <a:t>Show example in marketplace homepage how it’s changing the view for different sizes.</a:t>
+            </a:r>
+          </a:p>
+          <a:p>
+            <a:pPr marL="0" marR="0" lvl="0" indent="0" algn="l" defTabSz="914400" rtl="0" eaLnBrk="1" fontAlgn="auto" latinLnBrk="0" hangingPunct="1">
+              <a:lnSpc>
+                <a:spcPct val="100000"/>
+              </a:lnSpc>
+              <a:spcBef>
+                <a:spcPts val="0"/>
+              </a:spcBef>
+              <a:spcAft>
+                <a:spcPts val="0"/>
+              </a:spcAft>
+              <a:buClrTx/>
+              <a:buSzTx/>
+              <a:buFontTx/>
+              <a:buNone/>
+              <a:tabLst/>
+              <a:defRPr/>
+            </a:pPr>
+            <a:endParaRPr lang="en-US" b="0" dirty="0"/>
+          </a:p>
+        </p:txBody>
+      </p:sp>
+      <p:sp>
+        <p:nvSpPr>
+          <p:cNvPr id="4" name="Slide Number Placeholder 3"/>
+          <p:cNvSpPr>
+            <a:spLocks noGrp="1"/>
+          </p:cNvSpPr>
+          <p:nvPr>
+            <p:ph type="sldNum" sz="quarter" idx="10"/>
+          </p:nvPr>
+        </p:nvSpPr>
+        <p:spPr/>
+        <p:txBody>
+          <a:bodyPr/>
+          <a:lstStyle/>
+          <a:p>
+            <a:fld id="{595D0871-5AD0-4670-BDA8-FBE649F625DD}" type="slidenum">
+              <a:rPr lang="he-IL" smtClean="0"/>
+              <a:t>3</a:t>
+            </a:fld>
+            <a:endParaRPr lang="he-IL"/>
+          </a:p>
+        </p:txBody>
+      </p:sp>
+    </p:spTree>
+    <p:extLst>
+      <p:ext uri="{BB962C8B-B14F-4D97-AF65-F5344CB8AC3E}">
+        <p14:creationId xmlns:p14="http://schemas.microsoft.com/office/powerpoint/2010/main" val="999045913"/>
+      </p:ext>
+    </p:extLst>
+  </p:cSld>
+  <p:clrMapOvr>
+    <a:masterClrMapping/>
+  </p:clrMapOvr>
+</p:notes>
+</file>
+
+<file path=ppt/notesSlides/notesSlide4.xml><?xml version="1.0" encoding="utf-8"?>
+<p:notes xmlns:a="http://schemas.openxmlformats.org/drawingml/2006/main" xmlns:r="http://schemas.openxmlformats.org/officeDocument/2006/relationships" xmlns:p="http://schemas.openxmlformats.org/presentationml/2006/main">
+  <p:cSld>
+    <p:spTree>
+      <p:nvGrpSpPr>
+        <p:cNvPr id="1" name=""/>
+        <p:cNvGrpSpPr/>
+        <p:nvPr/>
+      </p:nvGrpSpPr>
+      <p:grpSpPr>
+        <a:xfrm>
+          <a:off x="0" y="0"/>
+          <a:ext cx="0" cy="0"/>
+          <a:chOff x="0" y="0"/>
+          <a:chExt cx="0" cy="0"/>
+        </a:xfrm>
+      </p:grpSpPr>
+      <p:sp>
+        <p:nvSpPr>
+          <p:cNvPr id="2" name="Slide Image Placeholder 1"/>
+          <p:cNvSpPr>
+            <a:spLocks noGrp="1" noRot="1" noChangeAspect="1"/>
+          </p:cNvSpPr>
+          <p:nvPr>
+            <p:ph type="sldImg"/>
+          </p:nvPr>
+        </p:nvSpPr>
+        <p:spPr/>
+      </p:sp>
+      <p:sp>
+        <p:nvSpPr>
+          <p:cNvPr id="3" name="Notes Placeholder 2"/>
+          <p:cNvSpPr>
+            <a:spLocks noGrp="1"/>
+          </p:cNvSpPr>
+          <p:nvPr>
+            <p:ph type="body" idx="1"/>
+          </p:nvPr>
+        </p:nvSpPr>
+        <p:spPr/>
+        <p:txBody>
+          <a:bodyPr/>
+          <a:lstStyle/>
+          <a:p>
+            <a:pPr marL="0" marR="0" lvl="0" indent="0" algn="l" defTabSz="914400" rtl="0" eaLnBrk="1" fontAlgn="auto" latinLnBrk="0" hangingPunct="1">
+              <a:lnSpc>
+                <a:spcPct val="100000"/>
+              </a:lnSpc>
+              <a:spcBef>
+                <a:spcPts val="0"/>
+              </a:spcBef>
+              <a:spcAft>
+                <a:spcPts val="0"/>
+              </a:spcAft>
+              <a:buClrTx/>
+              <a:buSzTx/>
+              <a:buFontTx/>
+              <a:buNone/>
+              <a:tabLst/>
+              <a:defRPr/>
+            </a:pPr>
+            <a:endParaRPr lang="en-US" b="0" dirty="0"/>
+          </a:p>
+          <a:p>
+            <a:pPr marL="0" marR="0" lvl="0" indent="0" algn="l" defTabSz="914400" rtl="0" eaLnBrk="1" fontAlgn="auto" latinLnBrk="0" hangingPunct="1">
+              <a:lnSpc>
+                <a:spcPct val="100000"/>
+              </a:lnSpc>
+              <a:spcBef>
+                <a:spcPts val="0"/>
+              </a:spcBef>
+              <a:spcAft>
+                <a:spcPts val="0"/>
+              </a:spcAft>
+              <a:buClrTx/>
+              <a:buSzTx/>
+              <a:buFontTx/>
+              <a:buNone/>
+              <a:tabLst/>
+              <a:defRPr/>
+            </a:pPr>
+            <a:endParaRPr lang="en-US" b="0" dirty="0"/>
+          </a:p>
+          <a:p>
+            <a:pPr marL="0" marR="0" lvl="0" indent="0" algn="l" defTabSz="914400" rtl="0" eaLnBrk="1" fontAlgn="auto" latinLnBrk="0" hangingPunct="1">
+              <a:lnSpc>
+                <a:spcPct val="100000"/>
+              </a:lnSpc>
+              <a:spcBef>
+                <a:spcPts val="0"/>
+              </a:spcBef>
+              <a:spcAft>
+                <a:spcPts val="0"/>
+              </a:spcAft>
+              <a:buClrTx/>
+              <a:buSzTx/>
+              <a:buFontTx/>
+              <a:buNone/>
+              <a:tabLst/>
+              <a:defRPr/>
+            </a:pPr>
+            <a:endParaRPr lang="en-US" b="0" dirty="0"/>
+          </a:p>
+          <a:p>
+            <a:pPr marL="0" marR="0" lvl="0" indent="0" algn="l" defTabSz="914400" rtl="0" eaLnBrk="1" fontAlgn="auto" latinLnBrk="0" hangingPunct="1">
+              <a:lnSpc>
+                <a:spcPct val="100000"/>
+              </a:lnSpc>
+              <a:spcBef>
+                <a:spcPts val="0"/>
+              </a:spcBef>
+              <a:spcAft>
+                <a:spcPts val="0"/>
+              </a:spcAft>
+              <a:buClrTx/>
+              <a:buSzTx/>
+              <a:buFontTx/>
+              <a:buNone/>
+              <a:tabLst/>
+              <a:defRPr/>
+            </a:pPr>
+            <a:endParaRPr lang="en-US" b="0" dirty="0"/>
+          </a:p>
+          <a:p>
+            <a:pPr marL="0" marR="0" lvl="0" indent="0" algn="l" defTabSz="914400" rtl="0" eaLnBrk="1" fontAlgn="auto" latinLnBrk="0" hangingPunct="1">
+              <a:lnSpc>
+                <a:spcPct val="100000"/>
+              </a:lnSpc>
+              <a:spcBef>
+                <a:spcPts val="0"/>
+              </a:spcBef>
+              <a:spcAft>
+                <a:spcPts val="0"/>
+              </a:spcAft>
+              <a:buClrTx/>
+              <a:buSzTx/>
+              <a:buFontTx/>
+              <a:buNone/>
+              <a:tabLst/>
+              <a:defRPr/>
+            </a:pPr>
+            <a:endParaRPr lang="en-US" b="0" dirty="0"/>
+          </a:p>
+          <a:p>
+            <a:pPr marL="0" marR="0" lvl="0" indent="0" algn="l" defTabSz="914400" rtl="0" eaLnBrk="1" fontAlgn="auto" latinLnBrk="0" hangingPunct="1">
+              <a:lnSpc>
+                <a:spcPct val="100000"/>
+              </a:lnSpc>
+              <a:spcBef>
+                <a:spcPts val="0"/>
+              </a:spcBef>
+              <a:spcAft>
+                <a:spcPts val="0"/>
+              </a:spcAft>
+              <a:buClrTx/>
+              <a:buSzTx/>
+              <a:buFontTx/>
+              <a:buNone/>
+              <a:tabLst/>
+              <a:defRPr/>
+            </a:pPr>
+            <a:endParaRPr lang="en-US" b="0" dirty="0"/>
+          </a:p>
+          <a:p>
+            <a:pPr marL="171450" marR="0" lvl="0" indent="-171450" algn="l" defTabSz="914400" rtl="0" eaLnBrk="1" fontAlgn="auto" latinLnBrk="0" hangingPunct="1">
+              <a:lnSpc>
+                <a:spcPct val="100000"/>
+              </a:lnSpc>
+              <a:spcBef>
+                <a:spcPts val="0"/>
+              </a:spcBef>
+              <a:spcAft>
+                <a:spcPts val="0"/>
+              </a:spcAft>
+              <a:buClrTx/>
+              <a:buSzTx/>
+              <a:buFontTx/>
+              <a:buChar char="-"/>
+              <a:tabLst/>
+              <a:defRPr/>
+            </a:pPr>
+            <a:r>
+              <a:rPr lang="en-US" dirty="0">
+                <a:hlinkClick r:id="rId3"/>
+              </a:rPr>
+              <a:t>https://techjury.net/stats-about/mobile-vs-desktop-usage/#Mobile_vs_Desktop_Internet_Usage_Statistics</a:t>
+            </a:r>
+            <a:endParaRPr lang="en-US" dirty="0"/>
+          </a:p>
+          <a:p>
+            <a:pPr marL="171450" marR="0" lvl="0" indent="-171450" algn="l" defTabSz="914400" rtl="0" eaLnBrk="1" fontAlgn="auto" latinLnBrk="0" hangingPunct="1">
+              <a:lnSpc>
+                <a:spcPct val="100000"/>
+              </a:lnSpc>
+              <a:spcBef>
+                <a:spcPts val="0"/>
+              </a:spcBef>
+              <a:spcAft>
+                <a:spcPts val="0"/>
+              </a:spcAft>
+              <a:buClrTx/>
+              <a:buSzTx/>
+              <a:buFontTx/>
+              <a:buChar char="-"/>
+              <a:tabLst/>
+              <a:defRPr/>
+            </a:pPr>
+            <a:r>
+              <a:rPr lang="en-US" dirty="0">
+                <a:hlinkClick r:id="rId4"/>
+              </a:rPr>
+              <a:t>https://hostingfacts.com/internet-facts-stats/</a:t>
+            </a:r>
+            <a:endParaRPr lang="en-US" dirty="0"/>
+          </a:p>
+          <a:p>
+            <a:pPr marL="171450" marR="0" lvl="0" indent="-171450" algn="l" defTabSz="914400" rtl="0" eaLnBrk="1" fontAlgn="auto" latinLnBrk="0" hangingPunct="1">
+              <a:lnSpc>
+                <a:spcPct val="100000"/>
+              </a:lnSpc>
+              <a:spcBef>
+                <a:spcPts val="0"/>
+              </a:spcBef>
+              <a:spcAft>
+                <a:spcPts val="0"/>
+              </a:spcAft>
+              <a:buClrTx/>
+              <a:buSzTx/>
+              <a:buFontTx/>
+              <a:buChar char="-"/>
+              <a:tabLst/>
+              <a:defRPr/>
+            </a:pPr>
+            <a:endParaRPr lang="en-US" b="0" dirty="0"/>
+          </a:p>
+          <a:p>
+            <a:pPr marL="171450" marR="0" lvl="0" indent="-171450" algn="l" defTabSz="914400" rtl="0" eaLnBrk="1" fontAlgn="auto" latinLnBrk="0" hangingPunct="1">
+              <a:lnSpc>
+                <a:spcPct val="100000"/>
+              </a:lnSpc>
+              <a:spcBef>
+                <a:spcPts val="0"/>
+              </a:spcBef>
+              <a:spcAft>
+                <a:spcPts val="0"/>
+              </a:spcAft>
+              <a:buClrTx/>
+              <a:buSzTx/>
+              <a:buFontTx/>
+              <a:buChar char="-"/>
+              <a:tabLst/>
+              <a:defRPr/>
+            </a:pPr>
+            <a:endParaRPr lang="en-US" b="0" dirty="0"/>
+          </a:p>
+        </p:txBody>
+      </p:sp>
+      <p:sp>
+        <p:nvSpPr>
+          <p:cNvPr id="4" name="Slide Number Placeholder 3"/>
+          <p:cNvSpPr>
+            <a:spLocks noGrp="1"/>
+          </p:cNvSpPr>
+          <p:nvPr>
+            <p:ph type="sldNum" sz="quarter" idx="10"/>
+          </p:nvPr>
+        </p:nvSpPr>
+        <p:spPr/>
+        <p:txBody>
+          <a:bodyPr/>
+          <a:lstStyle/>
+          <a:p>
+            <a:fld id="{595D0871-5AD0-4670-BDA8-FBE649F625DD}" type="slidenum">
+              <a:rPr lang="he-IL" smtClean="0"/>
+              <a:t>4</a:t>
+            </a:fld>
+            <a:endParaRPr lang="he-IL"/>
+          </a:p>
+        </p:txBody>
+      </p:sp>
+    </p:spTree>
+    <p:extLst>
+      <p:ext uri="{BB962C8B-B14F-4D97-AF65-F5344CB8AC3E}">
+        <p14:creationId xmlns:p14="http://schemas.microsoft.com/office/powerpoint/2010/main" val="1927854068"/>
+      </p:ext>
+    </p:extLst>
+  </p:cSld>
+  <p:clrMapOvr>
+    <a:masterClrMapping/>
+  </p:clrMapOvr>
+</p:notes>
+</file>
+
+<file path=ppt/notesSlides/notesSlide5.xml><?xml version="1.0" encoding="utf-8"?>
+<p:notes xmlns:a="http://schemas.openxmlformats.org/drawingml/2006/main" xmlns:r="http://schemas.openxmlformats.org/officeDocument/2006/relationships" xmlns:p="http://schemas.openxmlformats.org/presentationml/2006/main">
+  <p:cSld>
+    <p:spTree>
+      <p:nvGrpSpPr>
+        <p:cNvPr id="1" name=""/>
+        <p:cNvGrpSpPr/>
+        <p:nvPr/>
+      </p:nvGrpSpPr>
+      <p:grpSpPr>
+        <a:xfrm>
+          <a:off x="0" y="0"/>
+          <a:ext cx="0" cy="0"/>
+          <a:chOff x="0" y="0"/>
+          <a:chExt cx="0" cy="0"/>
+        </a:xfrm>
+      </p:grpSpPr>
+      <p:sp>
+        <p:nvSpPr>
+          <p:cNvPr id="2" name="Slide Image Placeholder 1"/>
+          <p:cNvSpPr>
+            <a:spLocks noGrp="1" noRot="1" noChangeAspect="1"/>
+          </p:cNvSpPr>
+          <p:nvPr>
+            <p:ph type="sldImg"/>
+          </p:nvPr>
+        </p:nvSpPr>
+        <p:spPr/>
+      </p:sp>
+      <p:sp>
+        <p:nvSpPr>
+          <p:cNvPr id="3" name="Notes Placeholder 2"/>
+          <p:cNvSpPr>
+            <a:spLocks noGrp="1"/>
+          </p:cNvSpPr>
+          <p:nvPr>
+            <p:ph type="body" idx="1"/>
+          </p:nvPr>
+        </p:nvSpPr>
+        <p:spPr/>
+        <p:txBody>
+          <a:bodyPr/>
+          <a:lstStyle/>
+          <a:p>
+            <a:pPr marL="0" marR="0" lvl="0" indent="0" algn="l" defTabSz="914400" rtl="0" eaLnBrk="1" fontAlgn="auto" latinLnBrk="0" hangingPunct="1">
+              <a:lnSpc>
+                <a:spcPct val="100000"/>
+              </a:lnSpc>
+              <a:spcBef>
+                <a:spcPts val="0"/>
+              </a:spcBef>
+              <a:spcAft>
+                <a:spcPts val="0"/>
+              </a:spcAft>
+              <a:buClrTx/>
+              <a:buSzTx/>
+              <a:buFontTx/>
+              <a:buNone/>
+              <a:tabLst/>
+              <a:defRPr/>
+            </a:pPr>
+            <a:r>
+              <a:rPr lang="en-US" b="0" dirty="0"/>
+              <a:t>What is Desktop first?</a:t>
+            </a:r>
+          </a:p>
+          <a:p>
+            <a:pPr marL="0" marR="0" lvl="0" indent="0" algn="l" defTabSz="914400" rtl="0" eaLnBrk="1" fontAlgn="auto" latinLnBrk="0" hangingPunct="1">
+              <a:lnSpc>
+                <a:spcPct val="100000"/>
+              </a:lnSpc>
+              <a:spcBef>
+                <a:spcPts val="0"/>
+              </a:spcBef>
+              <a:spcAft>
+                <a:spcPts val="0"/>
+              </a:spcAft>
+              <a:buClrTx/>
+              <a:buSzTx/>
+              <a:buFontTx/>
+              <a:buNone/>
+              <a:tabLst/>
+              <a:defRPr/>
+            </a:pPr>
+            <a:r>
+              <a:rPr lang="en-US" b="0" dirty="0"/>
+              <a:t>We are building our website for desktop and then making the relevant changes to support mobile</a:t>
+            </a:r>
+          </a:p>
+          <a:p>
+            <a:pPr marL="0" marR="0" lvl="0" indent="0" algn="l" defTabSz="914400" rtl="0" eaLnBrk="1" fontAlgn="auto" latinLnBrk="0" hangingPunct="1">
+              <a:lnSpc>
+                <a:spcPct val="100000"/>
+              </a:lnSpc>
+              <a:spcBef>
+                <a:spcPts val="0"/>
+              </a:spcBef>
+              <a:spcAft>
+                <a:spcPts val="0"/>
+              </a:spcAft>
+              <a:buClrTx/>
+              <a:buSzTx/>
+              <a:buFontTx/>
+              <a:buNone/>
+              <a:tabLst/>
+              <a:defRPr/>
+            </a:pPr>
+            <a:endParaRPr lang="en-US" b="0" dirty="0"/>
+          </a:p>
+          <a:p>
+            <a:pPr marL="0" marR="0" lvl="0" indent="0" algn="l" defTabSz="914400" rtl="0" eaLnBrk="1" fontAlgn="auto" latinLnBrk="0" hangingPunct="1">
+              <a:lnSpc>
+                <a:spcPct val="100000"/>
+              </a:lnSpc>
+              <a:spcBef>
+                <a:spcPts val="0"/>
+              </a:spcBef>
+              <a:spcAft>
+                <a:spcPts val="0"/>
+              </a:spcAft>
+              <a:buClrTx/>
+              <a:buSzTx/>
+              <a:buFontTx/>
+              <a:buNone/>
+              <a:tabLst/>
+              <a:defRPr/>
+            </a:pPr>
+            <a:r>
+              <a:rPr lang="en-US" b="0" dirty="0"/>
+              <a:t>Mobile first?</a:t>
+            </a:r>
+          </a:p>
+          <a:p>
+            <a:pPr marL="0" marR="0" lvl="0" indent="0" algn="l" defTabSz="914400" rtl="0" eaLnBrk="1" fontAlgn="auto" latinLnBrk="0" hangingPunct="1">
+              <a:lnSpc>
+                <a:spcPct val="100000"/>
+              </a:lnSpc>
+              <a:spcBef>
+                <a:spcPts val="0"/>
+              </a:spcBef>
+              <a:spcAft>
+                <a:spcPts val="0"/>
+              </a:spcAft>
+              <a:buClrTx/>
+              <a:buSzTx/>
+              <a:buFontTx/>
+              <a:buNone/>
+              <a:tabLst/>
+              <a:defRPr/>
+            </a:pPr>
+            <a:r>
+              <a:rPr lang="en-US" b="0" dirty="0"/>
+              <a:t>Like desktop but we are building first for mobile</a:t>
+            </a:r>
+          </a:p>
+          <a:p>
+            <a:pPr marL="0" marR="0" lvl="0" indent="0" algn="l" defTabSz="914400" rtl="0" eaLnBrk="1" fontAlgn="auto" latinLnBrk="0" hangingPunct="1">
+              <a:lnSpc>
+                <a:spcPct val="100000"/>
+              </a:lnSpc>
+              <a:spcBef>
+                <a:spcPts val="0"/>
+              </a:spcBef>
+              <a:spcAft>
+                <a:spcPts val="0"/>
+              </a:spcAft>
+              <a:buClrTx/>
+              <a:buSzTx/>
+              <a:buFontTx/>
+              <a:buNone/>
+              <a:tabLst/>
+              <a:defRPr/>
+            </a:pPr>
+            <a:endParaRPr lang="en-US" b="0" dirty="0"/>
+          </a:p>
+          <a:p>
+            <a:pPr marL="0" marR="0" lvl="0" indent="0" algn="l" defTabSz="914400" rtl="0" eaLnBrk="1" fontAlgn="auto" latinLnBrk="0" hangingPunct="1">
+              <a:lnSpc>
+                <a:spcPct val="100000"/>
+              </a:lnSpc>
+              <a:spcBef>
+                <a:spcPts val="0"/>
+              </a:spcBef>
+              <a:spcAft>
+                <a:spcPts val="0"/>
+              </a:spcAft>
+              <a:buClrTx/>
+              <a:buSzTx/>
+              <a:buFontTx/>
+              <a:buNone/>
+              <a:tabLst/>
+              <a:defRPr/>
+            </a:pPr>
+            <a:endParaRPr lang="en-US" b="0" dirty="0"/>
+          </a:p>
+          <a:p>
+            <a:pPr marL="0" marR="0" lvl="0" indent="0" algn="l" defTabSz="914400" rtl="0" eaLnBrk="1" fontAlgn="auto" latinLnBrk="0" hangingPunct="1">
+              <a:lnSpc>
+                <a:spcPct val="100000"/>
+              </a:lnSpc>
+              <a:spcBef>
+                <a:spcPts val="0"/>
+              </a:spcBef>
+              <a:spcAft>
+                <a:spcPts val="0"/>
+              </a:spcAft>
+              <a:buClrTx/>
+              <a:buSzTx/>
+              <a:buFontTx/>
+              <a:buNone/>
+              <a:tabLst/>
+              <a:defRPr/>
+            </a:pPr>
+            <a:endParaRPr lang="en-US" b="0" dirty="0"/>
+          </a:p>
+          <a:p>
+            <a:pPr marL="0" marR="0" lvl="0" indent="0" algn="l" defTabSz="914400" rtl="0" eaLnBrk="1" fontAlgn="auto" latinLnBrk="0" hangingPunct="1">
+              <a:lnSpc>
+                <a:spcPct val="100000"/>
+              </a:lnSpc>
+              <a:spcBef>
+                <a:spcPts val="0"/>
+              </a:spcBef>
+              <a:spcAft>
+                <a:spcPts val="0"/>
+              </a:spcAft>
+              <a:buClrTx/>
+              <a:buSzTx/>
+              <a:buFontTx/>
+              <a:buNone/>
+              <a:tabLst/>
+              <a:defRPr/>
+            </a:pPr>
+            <a:endParaRPr lang="en-US" b="0" dirty="0"/>
+          </a:p>
+          <a:p>
+            <a:pPr marL="0" marR="0" lvl="0" indent="0" algn="l" defTabSz="914400" rtl="0" eaLnBrk="1" fontAlgn="auto" latinLnBrk="0" hangingPunct="1">
+              <a:lnSpc>
+                <a:spcPct val="100000"/>
+              </a:lnSpc>
+              <a:spcBef>
+                <a:spcPts val="0"/>
+              </a:spcBef>
+              <a:spcAft>
+                <a:spcPts val="0"/>
+              </a:spcAft>
+              <a:buClrTx/>
+              <a:buSzTx/>
+              <a:buFontTx/>
+              <a:buNone/>
+              <a:tabLst/>
+              <a:defRPr/>
+            </a:pPr>
+            <a:endParaRPr lang="en-US" b="0" dirty="0"/>
+          </a:p>
+          <a:p>
+            <a:pPr marL="171450" marR="0" lvl="0" indent="-171450" algn="l" defTabSz="914400" rtl="0" eaLnBrk="1" fontAlgn="auto" latinLnBrk="0" hangingPunct="1">
+              <a:lnSpc>
+                <a:spcPct val="100000"/>
+              </a:lnSpc>
+              <a:spcBef>
+                <a:spcPts val="0"/>
+              </a:spcBef>
+              <a:spcAft>
+                <a:spcPts val="0"/>
+              </a:spcAft>
+              <a:buClrTx/>
+              <a:buSzTx/>
+              <a:buFontTx/>
+              <a:buChar char="-"/>
+              <a:tabLst/>
+              <a:defRPr/>
+            </a:pPr>
+            <a:r>
+              <a:rPr lang="en-US" dirty="0">
+                <a:hlinkClick r:id="rId3"/>
+              </a:rPr>
+              <a:t>https://techjury.net/stats-about/mobile-vs-desktop-usage/#Mobile_vs_Desktop_Internet_Usage_Statistics</a:t>
+            </a:r>
+            <a:endParaRPr lang="en-US" dirty="0"/>
+          </a:p>
+          <a:p>
+            <a:pPr marL="171450" marR="0" lvl="0" indent="-171450" algn="l" defTabSz="914400" rtl="0" eaLnBrk="1" fontAlgn="auto" latinLnBrk="0" hangingPunct="1">
+              <a:lnSpc>
+                <a:spcPct val="100000"/>
+              </a:lnSpc>
+              <a:spcBef>
+                <a:spcPts val="0"/>
+              </a:spcBef>
+              <a:spcAft>
+                <a:spcPts val="0"/>
+              </a:spcAft>
+              <a:buClrTx/>
+              <a:buSzTx/>
+              <a:buFontTx/>
+              <a:buChar char="-"/>
+              <a:tabLst/>
+              <a:defRPr/>
+            </a:pPr>
+            <a:r>
+              <a:rPr lang="en-US" dirty="0">
+                <a:hlinkClick r:id="rId4"/>
+              </a:rPr>
+              <a:t>https://hostingfacts.com/internet-facts-stats/</a:t>
+            </a:r>
+            <a:endParaRPr lang="en-US" dirty="0"/>
+          </a:p>
+          <a:p>
+            <a:pPr marL="171450" marR="0" lvl="0" indent="-171450" algn="l" defTabSz="914400" rtl="0" eaLnBrk="1" fontAlgn="auto" latinLnBrk="0" hangingPunct="1">
+              <a:lnSpc>
+                <a:spcPct val="100000"/>
+              </a:lnSpc>
+              <a:spcBef>
+                <a:spcPts val="0"/>
+              </a:spcBef>
+              <a:spcAft>
+                <a:spcPts val="0"/>
+              </a:spcAft>
+              <a:buClrTx/>
+              <a:buSzTx/>
+              <a:buFontTx/>
+              <a:buChar char="-"/>
+              <a:tabLst/>
+              <a:defRPr/>
+            </a:pPr>
+            <a:endParaRPr lang="en-US" b="0" dirty="0"/>
+          </a:p>
+          <a:p>
+            <a:pPr marL="171450" marR="0" lvl="0" indent="-171450" algn="l" defTabSz="914400" rtl="0" eaLnBrk="1" fontAlgn="auto" latinLnBrk="0" hangingPunct="1">
+              <a:lnSpc>
+                <a:spcPct val="100000"/>
+              </a:lnSpc>
+              <a:spcBef>
+                <a:spcPts val="0"/>
+              </a:spcBef>
+              <a:spcAft>
+                <a:spcPts val="0"/>
+              </a:spcAft>
+              <a:buClrTx/>
+              <a:buSzTx/>
+              <a:buFontTx/>
+              <a:buChar char="-"/>
+              <a:tabLst/>
+              <a:defRPr/>
+            </a:pPr>
+            <a:endParaRPr lang="en-US" b="0" dirty="0"/>
+          </a:p>
+        </p:txBody>
+      </p:sp>
+      <p:sp>
+        <p:nvSpPr>
+          <p:cNvPr id="4" name="Slide Number Placeholder 3"/>
+          <p:cNvSpPr>
+            <a:spLocks noGrp="1"/>
+          </p:cNvSpPr>
+          <p:nvPr>
+            <p:ph type="sldNum" sz="quarter" idx="10"/>
+          </p:nvPr>
+        </p:nvSpPr>
+        <p:spPr/>
+        <p:txBody>
+          <a:bodyPr/>
+          <a:lstStyle/>
+          <a:p>
+            <a:fld id="{595D0871-5AD0-4670-BDA8-FBE649F625DD}" type="slidenum">
+              <a:rPr lang="he-IL" smtClean="0"/>
+              <a:t>5</a:t>
+            </a:fld>
+            <a:endParaRPr lang="he-IL"/>
+          </a:p>
+        </p:txBody>
+      </p:sp>
+    </p:spTree>
+    <p:extLst>
+      <p:ext uri="{BB962C8B-B14F-4D97-AF65-F5344CB8AC3E}">
+        <p14:creationId xmlns:p14="http://schemas.microsoft.com/office/powerpoint/2010/main" val="1898800509"/>
+      </p:ext>
+    </p:extLst>
+  </p:cSld>
+  <p:clrMapOvr>
+    <a:masterClrMapping/>
+  </p:clrMapOvr>
+</p:notes>
+</file>
+
+<file path=ppt/notesSlides/notesSlide6.xml><?xml version="1.0" encoding="utf-8"?>
+<p:notes xmlns:a="http://schemas.openxmlformats.org/drawingml/2006/main" xmlns:r="http://schemas.openxmlformats.org/officeDocument/2006/relationships" xmlns:p="http://schemas.openxmlformats.org/presentationml/2006/main">
+  <p:cSld>
+    <p:spTree>
+      <p:nvGrpSpPr>
+        <p:cNvPr id="1" name=""/>
+        <p:cNvGrpSpPr/>
+        <p:nvPr/>
+      </p:nvGrpSpPr>
+      <p:grpSpPr>
+        <a:xfrm>
+          <a:off x="0" y="0"/>
+          <a:ext cx="0" cy="0"/>
+          <a:chOff x="0" y="0"/>
+          <a:chExt cx="0" cy="0"/>
+        </a:xfrm>
+      </p:grpSpPr>
+      <p:sp>
+        <p:nvSpPr>
+          <p:cNvPr id="2" name="Slide Image Placeholder 1"/>
+          <p:cNvSpPr>
+            <a:spLocks noGrp="1" noRot="1" noChangeAspect="1"/>
+          </p:cNvSpPr>
+          <p:nvPr>
+            <p:ph type="sldImg"/>
+          </p:nvPr>
+        </p:nvSpPr>
+        <p:spPr/>
+      </p:sp>
+      <p:sp>
+        <p:nvSpPr>
+          <p:cNvPr id="3" name="Notes Placeholder 2"/>
+          <p:cNvSpPr>
+            <a:spLocks noGrp="1"/>
+          </p:cNvSpPr>
+          <p:nvPr>
+            <p:ph type="body" idx="1"/>
+          </p:nvPr>
+        </p:nvSpPr>
+        <p:spPr/>
+        <p:txBody>
+          <a:bodyPr/>
+          <a:lstStyle/>
+          <a:p>
+            <a:pPr marL="0" marR="0" lvl="0" indent="0" algn="l" defTabSz="914400" rtl="0" eaLnBrk="1" fontAlgn="auto" latinLnBrk="0" hangingPunct="1">
+              <a:lnSpc>
+                <a:spcPct val="100000"/>
+              </a:lnSpc>
+              <a:spcBef>
+                <a:spcPts val="0"/>
+              </a:spcBef>
+              <a:spcAft>
+                <a:spcPts val="0"/>
+              </a:spcAft>
+              <a:buClrTx/>
+              <a:buSzTx/>
+              <a:buFontTx/>
+              <a:buNone/>
+              <a:tabLst/>
+              <a:defRPr/>
+            </a:pPr>
+            <a:r>
+              <a:rPr lang="en-US" b="0" dirty="0"/>
+              <a:t>Before we will start we need to understand a few basic terms for RWD.</a:t>
+            </a:r>
+          </a:p>
+          <a:p>
+            <a:pPr marL="0" marR="0" lvl="0" indent="0" algn="l" defTabSz="914400" rtl="0" eaLnBrk="1" fontAlgn="auto" latinLnBrk="0" hangingPunct="1">
+              <a:lnSpc>
+                <a:spcPct val="100000"/>
+              </a:lnSpc>
+              <a:spcBef>
+                <a:spcPts val="0"/>
+              </a:spcBef>
+              <a:spcAft>
+                <a:spcPts val="0"/>
+              </a:spcAft>
+              <a:buClrTx/>
+              <a:buSzTx/>
+              <a:buFontTx/>
+              <a:buNone/>
+              <a:tabLst/>
+              <a:defRPr/>
+            </a:pPr>
+            <a:endParaRPr lang="en-US" b="0" dirty="0"/>
+          </a:p>
+          <a:p>
+            <a:pPr marL="0" marR="0" lvl="0" indent="0" algn="l" defTabSz="914400" rtl="0" eaLnBrk="1" fontAlgn="auto" latinLnBrk="0" hangingPunct="1">
+              <a:lnSpc>
+                <a:spcPct val="100000"/>
+              </a:lnSpc>
+              <a:spcBef>
+                <a:spcPts val="0"/>
+              </a:spcBef>
+              <a:spcAft>
+                <a:spcPts val="0"/>
+              </a:spcAft>
+              <a:buClrTx/>
+              <a:buSzTx/>
+              <a:buFontTx/>
+              <a:buNone/>
+              <a:tabLst/>
+              <a:defRPr/>
+            </a:pPr>
+            <a:r>
+              <a:rPr lang="en-US" b="0" dirty="0"/>
+              <a:t>This is the basic step to adjust our application for mobile is to set view port (</a:t>
+            </a:r>
+            <a:r>
+              <a:rPr lang="en-US" sz="1200" b="0" i="0" kern="1200" dirty="0">
+                <a:solidFill>
+                  <a:schemeClr val="tx1"/>
+                </a:solidFill>
+                <a:effectLst/>
+                <a:latin typeface="+mn-lt"/>
+                <a:ea typeface="+mn-ea"/>
+                <a:cs typeface="+mn-cs"/>
+              </a:rPr>
+              <a:t>viewport is the user's visible area of a web page.</a:t>
+            </a:r>
+            <a:r>
+              <a:rPr lang="en-US" b="0" dirty="0"/>
+              <a:t>)</a:t>
+            </a:r>
+          </a:p>
+          <a:p>
+            <a:pPr marL="0" marR="0" lvl="0" indent="0" algn="l" defTabSz="914400" rtl="0" eaLnBrk="1" fontAlgn="auto" latinLnBrk="0" hangingPunct="1">
+              <a:lnSpc>
+                <a:spcPct val="100000"/>
+              </a:lnSpc>
+              <a:spcBef>
+                <a:spcPts val="0"/>
+              </a:spcBef>
+              <a:spcAft>
+                <a:spcPts val="0"/>
+              </a:spcAft>
+              <a:buClrTx/>
+              <a:buSzTx/>
+              <a:buFontTx/>
+              <a:buNone/>
+              <a:tabLst/>
+              <a:defRPr/>
+            </a:pPr>
+            <a:r>
+              <a:rPr lang="en-US" b="0" dirty="0"/>
+              <a:t>For that we have </a:t>
+            </a:r>
+            <a:r>
+              <a:rPr lang="en-US" sz="1200" b="0" i="0" kern="1200" dirty="0">
+                <a:solidFill>
+                  <a:schemeClr val="tx1"/>
+                </a:solidFill>
+                <a:effectLst/>
+                <a:latin typeface="+mn-lt"/>
+                <a:ea typeface="+mn-ea"/>
+                <a:cs typeface="+mn-cs"/>
+              </a:rPr>
+              <a:t>meta tag:</a:t>
+            </a:r>
+          </a:p>
+          <a:p>
+            <a:pPr marL="0" marR="0" lvl="0" indent="0" algn="l" defTabSz="914400" rtl="0" eaLnBrk="1" fontAlgn="auto" latinLnBrk="0" hangingPunct="1">
+              <a:lnSpc>
+                <a:spcPct val="100000"/>
+              </a:lnSpc>
+              <a:spcBef>
+                <a:spcPts val="0"/>
+              </a:spcBef>
+              <a:spcAft>
+                <a:spcPts val="0"/>
+              </a:spcAft>
+              <a:buClrTx/>
+              <a:buSzTx/>
+              <a:buFontTx/>
+              <a:buNone/>
+              <a:tabLst/>
+              <a:defRPr/>
+            </a:pPr>
+            <a:r>
+              <a:rPr lang="en-US" sz="1200" b="0" i="0" kern="1200" dirty="0">
+                <a:solidFill>
+                  <a:schemeClr val="tx1"/>
+                </a:solidFill>
+                <a:effectLst/>
+                <a:latin typeface="+mn-lt"/>
+                <a:ea typeface="+mn-ea"/>
+                <a:cs typeface="+mn-cs"/>
+              </a:rPr>
+              <a:t>&lt;meta name="viewport" content="width=device-width, initial-scale=1.0"&gt;</a:t>
+            </a:r>
+            <a:endParaRPr lang="en-US" b="0" dirty="0"/>
+          </a:p>
+          <a:p>
+            <a:pPr marL="0" marR="0" lvl="0" indent="0" algn="l" defTabSz="914400" rtl="0" eaLnBrk="1" fontAlgn="auto" latinLnBrk="0" hangingPunct="1">
+              <a:lnSpc>
+                <a:spcPct val="100000"/>
+              </a:lnSpc>
+              <a:spcBef>
+                <a:spcPts val="0"/>
+              </a:spcBef>
+              <a:spcAft>
+                <a:spcPts val="0"/>
+              </a:spcAft>
+              <a:buClrTx/>
+              <a:buSzTx/>
+              <a:buFontTx/>
+              <a:buNone/>
+              <a:tabLst/>
+              <a:defRPr/>
+            </a:pPr>
+            <a:endParaRPr lang="en-US" b="0" dirty="0"/>
+          </a:p>
+          <a:p>
+            <a:pPr marL="0" marR="0" lvl="0" indent="0" algn="l" defTabSz="914400" rtl="0" eaLnBrk="1" fontAlgn="auto" latinLnBrk="0" hangingPunct="1">
+              <a:lnSpc>
+                <a:spcPct val="100000"/>
+              </a:lnSpc>
+              <a:spcBef>
+                <a:spcPts val="0"/>
+              </a:spcBef>
+              <a:spcAft>
+                <a:spcPts val="0"/>
+              </a:spcAft>
+              <a:buClrTx/>
+              <a:buSzTx/>
+              <a:buFontTx/>
+              <a:buNone/>
+              <a:tabLst/>
+              <a:defRPr/>
+            </a:pPr>
+            <a:r>
+              <a:rPr lang="en-US" b="0" dirty="0"/>
+              <a:t>If we will not defined it the browser will behave differently in different browsers and will not be responsive</a:t>
+            </a:r>
+          </a:p>
+          <a:p>
+            <a:pPr marL="0" marR="0" lvl="0" indent="0" algn="l" defTabSz="914400" rtl="0" eaLnBrk="1" fontAlgn="auto" latinLnBrk="0" hangingPunct="1">
+              <a:lnSpc>
+                <a:spcPct val="100000"/>
+              </a:lnSpc>
+              <a:spcBef>
+                <a:spcPts val="0"/>
+              </a:spcBef>
+              <a:spcAft>
+                <a:spcPts val="0"/>
+              </a:spcAft>
+              <a:buClrTx/>
+              <a:buSzTx/>
+              <a:buFontTx/>
+              <a:buNone/>
+              <a:tabLst/>
+              <a:defRPr/>
+            </a:pPr>
+            <a:endParaRPr lang="en-US" b="0" dirty="0"/>
+          </a:p>
+          <a:p>
+            <a:pPr marL="0" marR="0" lvl="0" indent="0" algn="l" defTabSz="914400" rtl="0" eaLnBrk="1" fontAlgn="auto" latinLnBrk="0" hangingPunct="1">
+              <a:lnSpc>
+                <a:spcPct val="100000"/>
+              </a:lnSpc>
+              <a:spcBef>
+                <a:spcPts val="0"/>
+              </a:spcBef>
+              <a:spcAft>
+                <a:spcPts val="0"/>
+              </a:spcAft>
+              <a:buClrTx/>
+              <a:buSzTx/>
+              <a:buFontTx/>
+              <a:buNone/>
+              <a:tabLst/>
+              <a:defRPr/>
+            </a:pPr>
+            <a:r>
+              <a:rPr lang="en-US" b="0" dirty="0"/>
+              <a:t>Let see an example:</a:t>
+            </a:r>
+          </a:p>
+          <a:p>
+            <a:pPr marL="0" marR="0" lvl="0" indent="0" algn="l" defTabSz="914400" rtl="0" eaLnBrk="1" fontAlgn="auto" latinLnBrk="0" hangingPunct="1">
+              <a:lnSpc>
+                <a:spcPct val="100000"/>
+              </a:lnSpc>
+              <a:spcBef>
+                <a:spcPts val="0"/>
+              </a:spcBef>
+              <a:spcAft>
+                <a:spcPts val="0"/>
+              </a:spcAft>
+              <a:buClrTx/>
+              <a:buSzTx/>
+              <a:buFontTx/>
+              <a:buNone/>
+              <a:tabLst/>
+              <a:defRPr/>
+            </a:pPr>
+            <a:r>
+              <a:rPr lang="en-US" b="0" dirty="0"/>
+              <a:t>In the first one, we didn’t defined view port and when we will open it in mobile mode we can see the image is shrinking</a:t>
+            </a:r>
+          </a:p>
+          <a:p>
+            <a:pPr marL="0" marR="0" lvl="0" indent="0" algn="l" defTabSz="914400" rtl="0" eaLnBrk="1" fontAlgn="auto" latinLnBrk="0" hangingPunct="1">
+              <a:lnSpc>
+                <a:spcPct val="100000"/>
+              </a:lnSpc>
+              <a:spcBef>
+                <a:spcPts val="0"/>
+              </a:spcBef>
+              <a:spcAft>
+                <a:spcPts val="0"/>
+              </a:spcAft>
+              <a:buClrTx/>
+              <a:buSzTx/>
+              <a:buFontTx/>
+              <a:buNone/>
+              <a:tabLst/>
+              <a:defRPr/>
+            </a:pPr>
+            <a:r>
+              <a:rPr lang="en-US" b="0" dirty="0"/>
+              <a:t>But in second one the image is not shrinking and looking good</a:t>
+            </a:r>
+          </a:p>
+          <a:p>
+            <a:pPr marL="0" marR="0" lvl="0" indent="0" algn="l" defTabSz="914400" rtl="0" eaLnBrk="1" fontAlgn="auto" latinLnBrk="0" hangingPunct="1">
+              <a:lnSpc>
+                <a:spcPct val="100000"/>
+              </a:lnSpc>
+              <a:spcBef>
+                <a:spcPts val="0"/>
+              </a:spcBef>
+              <a:spcAft>
+                <a:spcPts val="0"/>
+              </a:spcAft>
+              <a:buClrTx/>
+              <a:buSzTx/>
+              <a:buFontTx/>
+              <a:buNone/>
+              <a:tabLst/>
+              <a:defRPr/>
+            </a:pPr>
+            <a:endParaRPr lang="en-US" b="0" dirty="0"/>
+          </a:p>
+          <a:p>
+            <a:pPr marL="0" marR="0" lvl="0" indent="0" algn="l" defTabSz="914400" rtl="0" eaLnBrk="1" fontAlgn="auto" latinLnBrk="0" hangingPunct="1">
+              <a:lnSpc>
+                <a:spcPct val="100000"/>
+              </a:lnSpc>
+              <a:spcBef>
+                <a:spcPts val="0"/>
+              </a:spcBef>
+              <a:spcAft>
+                <a:spcPts val="0"/>
+              </a:spcAft>
+              <a:buClrTx/>
+              <a:buSzTx/>
+              <a:buFontTx/>
+              <a:buNone/>
+              <a:tabLst/>
+              <a:defRPr/>
+            </a:pPr>
+            <a:endParaRPr lang="en-US" b="0" dirty="0"/>
+          </a:p>
+          <a:p>
+            <a:pPr marL="171450" marR="0" lvl="0" indent="-171450" algn="l" defTabSz="914400" rtl="0" eaLnBrk="1" fontAlgn="auto" latinLnBrk="0" hangingPunct="1">
+              <a:lnSpc>
+                <a:spcPct val="100000"/>
+              </a:lnSpc>
+              <a:spcBef>
+                <a:spcPts val="0"/>
+              </a:spcBef>
+              <a:spcAft>
+                <a:spcPts val="0"/>
+              </a:spcAft>
+              <a:buClrTx/>
+              <a:buSzTx/>
+              <a:buFontTx/>
+              <a:buChar char="-"/>
+              <a:tabLst/>
+              <a:defRPr/>
+            </a:pPr>
+            <a:r>
+              <a:rPr lang="en-US" dirty="0">
+                <a:hlinkClick r:id="rId3"/>
+              </a:rPr>
+              <a:t>https://www.w3schools.com/css/css_rwd_viewport.asp</a:t>
+            </a:r>
+            <a:endParaRPr lang="en-US" dirty="0"/>
+          </a:p>
+          <a:p>
+            <a:pPr marL="171450" marR="0" lvl="0" indent="-171450" algn="l" defTabSz="914400" rtl="0" eaLnBrk="1" fontAlgn="auto" latinLnBrk="0" hangingPunct="1">
+              <a:lnSpc>
+                <a:spcPct val="100000"/>
+              </a:lnSpc>
+              <a:spcBef>
+                <a:spcPts val="0"/>
+              </a:spcBef>
+              <a:spcAft>
+                <a:spcPts val="0"/>
+              </a:spcAft>
+              <a:buClrTx/>
+              <a:buSzTx/>
+              <a:buFontTx/>
+              <a:buChar char="-"/>
+              <a:tabLst/>
+              <a:defRPr/>
+            </a:pPr>
+            <a:endParaRPr lang="en-US" b="0" dirty="0"/>
+          </a:p>
+          <a:p>
+            <a:pPr marL="171450" marR="0" lvl="0" indent="-171450" algn="l" defTabSz="914400" rtl="0" eaLnBrk="1" fontAlgn="auto" latinLnBrk="0" hangingPunct="1">
+              <a:lnSpc>
+                <a:spcPct val="100000"/>
+              </a:lnSpc>
+              <a:spcBef>
+                <a:spcPts val="0"/>
+              </a:spcBef>
+              <a:spcAft>
+                <a:spcPts val="0"/>
+              </a:spcAft>
+              <a:buClrTx/>
+              <a:buSzTx/>
+              <a:buFontTx/>
+              <a:buChar char="-"/>
+              <a:tabLst/>
+              <a:defRPr/>
+            </a:pPr>
+            <a:endParaRPr lang="en-US" b="0" dirty="0"/>
+          </a:p>
+        </p:txBody>
+      </p:sp>
+      <p:sp>
+        <p:nvSpPr>
+          <p:cNvPr id="4" name="Slide Number Placeholder 3"/>
+          <p:cNvSpPr>
+            <a:spLocks noGrp="1"/>
+          </p:cNvSpPr>
+          <p:nvPr>
+            <p:ph type="sldNum" sz="quarter" idx="10"/>
+          </p:nvPr>
+        </p:nvSpPr>
+        <p:spPr/>
+        <p:txBody>
+          <a:bodyPr/>
+          <a:lstStyle/>
+          <a:p>
+            <a:fld id="{595D0871-5AD0-4670-BDA8-FBE649F625DD}" type="slidenum">
+              <a:rPr lang="he-IL" smtClean="0"/>
+              <a:t>6</a:t>
+            </a:fld>
+            <a:endParaRPr lang="he-IL"/>
+          </a:p>
+        </p:txBody>
+      </p:sp>
+    </p:spTree>
+    <p:extLst>
+      <p:ext uri="{BB962C8B-B14F-4D97-AF65-F5344CB8AC3E}">
+        <p14:creationId xmlns:p14="http://schemas.microsoft.com/office/powerpoint/2010/main" val="3392493344"/>
+      </p:ext>
+    </p:extLst>
+  </p:cSld>
+  <p:clrMapOvr>
+    <a:masterClrMapping/>
+  </p:clrMapOvr>
+</p:notes>
+</file>
+
+<file path=ppt/notesSlides/notesSlide7.xml><?xml version="1.0" encoding="utf-8"?>
+<p:notes xmlns:a="http://schemas.openxmlformats.org/drawingml/2006/main" xmlns:r="http://schemas.openxmlformats.org/officeDocument/2006/relationships" xmlns:p="http://schemas.openxmlformats.org/presentationml/2006/main">
+  <p:cSld>
+    <p:spTree>
+      <p:nvGrpSpPr>
+        <p:cNvPr id="1" name=""/>
+        <p:cNvGrpSpPr/>
+        <p:nvPr/>
+      </p:nvGrpSpPr>
+      <p:grpSpPr>
+        <a:xfrm>
+          <a:off x="0" y="0"/>
+          <a:ext cx="0" cy="0"/>
+          <a:chOff x="0" y="0"/>
+          <a:chExt cx="0" cy="0"/>
+        </a:xfrm>
+      </p:grpSpPr>
+      <p:sp>
+        <p:nvSpPr>
+          <p:cNvPr id="2" name="Slide Image Placeholder 1"/>
+          <p:cNvSpPr>
+            <a:spLocks noGrp="1" noRot="1" noChangeAspect="1"/>
+          </p:cNvSpPr>
+          <p:nvPr>
+            <p:ph type="sldImg"/>
+          </p:nvPr>
+        </p:nvSpPr>
+        <p:spPr/>
+      </p:sp>
+      <p:sp>
+        <p:nvSpPr>
+          <p:cNvPr id="3" name="Notes Placeholder 2"/>
+          <p:cNvSpPr>
+            <a:spLocks noGrp="1"/>
+          </p:cNvSpPr>
+          <p:nvPr>
+            <p:ph type="body" idx="1"/>
+          </p:nvPr>
+        </p:nvSpPr>
+        <p:spPr/>
+        <p:txBody>
+          <a:bodyPr/>
+          <a:lstStyle/>
+          <a:p>
+            <a:pPr marL="0" marR="0" lvl="0" indent="0" algn="l" defTabSz="914400" rtl="0" eaLnBrk="1" fontAlgn="auto" latinLnBrk="0" hangingPunct="1">
+              <a:lnSpc>
+                <a:spcPct val="100000"/>
+              </a:lnSpc>
+              <a:spcBef>
+                <a:spcPts val="0"/>
+              </a:spcBef>
+              <a:spcAft>
+                <a:spcPts val="0"/>
+              </a:spcAft>
+              <a:buClrTx/>
+              <a:buSzTx/>
+              <a:buFontTx/>
+              <a:buNone/>
+              <a:tabLst/>
+              <a:defRPr/>
+            </a:pPr>
+            <a:r>
+              <a:rPr lang="en-US" b="0" dirty="0"/>
+              <a:t>Media queries is a CSS3 module allowing content rendering to adapt to conditions such as screen resolution (e.g. smartphone screen vs. computer screen).</a:t>
+            </a:r>
+          </a:p>
+          <a:p>
+            <a:pPr marL="0" marR="0" lvl="0" indent="0" algn="l" defTabSz="914400" rtl="0" eaLnBrk="1" fontAlgn="auto" latinLnBrk="0" hangingPunct="1">
+              <a:lnSpc>
+                <a:spcPct val="100000"/>
+              </a:lnSpc>
+              <a:spcBef>
+                <a:spcPts val="0"/>
+              </a:spcBef>
+              <a:spcAft>
+                <a:spcPts val="0"/>
+              </a:spcAft>
+              <a:buClrTx/>
+              <a:buSzTx/>
+              <a:buFontTx/>
+              <a:buNone/>
+              <a:tabLst/>
+              <a:defRPr/>
+            </a:pPr>
+            <a:endParaRPr lang="en-US" b="0" dirty="0"/>
+          </a:p>
+          <a:p>
+            <a:pPr marL="171450" marR="0" lvl="0" indent="-171450" algn="l" defTabSz="914400" rtl="0" eaLnBrk="1" fontAlgn="auto" latinLnBrk="0" hangingPunct="1">
+              <a:lnSpc>
+                <a:spcPct val="100000"/>
+              </a:lnSpc>
+              <a:spcBef>
+                <a:spcPts val="0"/>
+              </a:spcBef>
+              <a:spcAft>
+                <a:spcPts val="0"/>
+              </a:spcAft>
+              <a:buClrTx/>
+              <a:buSzTx/>
+              <a:buFontTx/>
+              <a:buChar char="-"/>
+              <a:tabLst/>
+              <a:defRPr/>
+            </a:pPr>
+            <a:endParaRPr lang="en-US" b="0" dirty="0"/>
+          </a:p>
+          <a:p>
+            <a:pPr marL="171450" marR="0" lvl="0" indent="-171450" algn="l" defTabSz="914400" rtl="0" eaLnBrk="1" fontAlgn="auto" latinLnBrk="0" hangingPunct="1">
+              <a:lnSpc>
+                <a:spcPct val="100000"/>
+              </a:lnSpc>
+              <a:spcBef>
+                <a:spcPts val="0"/>
+              </a:spcBef>
+              <a:spcAft>
+                <a:spcPts val="0"/>
+              </a:spcAft>
+              <a:buClrTx/>
+              <a:buSzTx/>
+              <a:buFontTx/>
+              <a:buChar char="-"/>
+              <a:tabLst/>
+              <a:defRPr/>
+            </a:pPr>
+            <a:endParaRPr lang="en-US" b="0" dirty="0"/>
+          </a:p>
+          <a:p>
+            <a:pPr marL="171450" marR="0" lvl="0" indent="-171450" algn="l" defTabSz="914400" rtl="0" eaLnBrk="1" fontAlgn="auto" latinLnBrk="0" hangingPunct="1">
+              <a:lnSpc>
+                <a:spcPct val="100000"/>
+              </a:lnSpc>
+              <a:spcBef>
+                <a:spcPts val="0"/>
+              </a:spcBef>
+              <a:spcAft>
+                <a:spcPts val="0"/>
+              </a:spcAft>
+              <a:buClrTx/>
+              <a:buSzTx/>
+              <a:buFontTx/>
+              <a:buChar char="-"/>
+              <a:tabLst/>
+              <a:defRPr/>
+            </a:pPr>
+            <a:endParaRPr lang="en-US" b="0" dirty="0"/>
+          </a:p>
+          <a:p>
+            <a:pPr marL="171450" marR="0" lvl="0" indent="-171450" algn="l" defTabSz="914400" rtl="0" eaLnBrk="1" fontAlgn="auto" latinLnBrk="0" hangingPunct="1">
+              <a:lnSpc>
+                <a:spcPct val="100000"/>
+              </a:lnSpc>
+              <a:spcBef>
+                <a:spcPts val="0"/>
+              </a:spcBef>
+              <a:spcAft>
+                <a:spcPts val="0"/>
+              </a:spcAft>
+              <a:buClrTx/>
+              <a:buSzTx/>
+              <a:buFontTx/>
+              <a:buChar char="-"/>
+              <a:tabLst/>
+              <a:defRPr/>
+            </a:pPr>
+            <a:endParaRPr lang="en-US" b="0" dirty="0"/>
+          </a:p>
+          <a:p>
+            <a:pPr marL="171450" marR="0" lvl="0" indent="-171450" algn="l" defTabSz="914400" rtl="0" eaLnBrk="1" fontAlgn="auto" latinLnBrk="0" hangingPunct="1">
+              <a:lnSpc>
+                <a:spcPct val="100000"/>
+              </a:lnSpc>
+              <a:spcBef>
+                <a:spcPts val="0"/>
+              </a:spcBef>
+              <a:spcAft>
+                <a:spcPts val="0"/>
+              </a:spcAft>
+              <a:buClrTx/>
+              <a:buSzTx/>
+              <a:buFontTx/>
+              <a:buChar char="-"/>
+              <a:tabLst/>
+              <a:defRPr/>
+            </a:pPr>
+            <a:endParaRPr lang="en-US" b="0" dirty="0"/>
+          </a:p>
+          <a:p>
+            <a:pPr marL="171450" marR="0" lvl="0" indent="-171450" algn="l" defTabSz="914400" rtl="0" eaLnBrk="1" fontAlgn="auto" latinLnBrk="0" hangingPunct="1">
+              <a:lnSpc>
+                <a:spcPct val="100000"/>
+              </a:lnSpc>
+              <a:spcBef>
+                <a:spcPts val="0"/>
+              </a:spcBef>
+              <a:spcAft>
+                <a:spcPts val="0"/>
+              </a:spcAft>
+              <a:buClrTx/>
+              <a:buSzTx/>
+              <a:buFontTx/>
+              <a:buChar char="-"/>
+              <a:tabLst/>
+              <a:defRPr/>
+            </a:pPr>
+            <a:endParaRPr lang="en-US" b="0" dirty="0"/>
+          </a:p>
+          <a:p>
+            <a:pPr marL="171450" marR="0" lvl="0" indent="-171450" algn="l" defTabSz="914400" rtl="0" eaLnBrk="1" fontAlgn="auto" latinLnBrk="0" hangingPunct="1">
+              <a:lnSpc>
+                <a:spcPct val="100000"/>
+              </a:lnSpc>
+              <a:spcBef>
+                <a:spcPts val="0"/>
+              </a:spcBef>
+              <a:spcAft>
+                <a:spcPts val="0"/>
+              </a:spcAft>
+              <a:buClrTx/>
+              <a:buSzTx/>
+              <a:buFontTx/>
+              <a:buChar char="-"/>
+              <a:tabLst/>
+              <a:defRPr/>
+            </a:pPr>
+            <a:r>
+              <a:rPr lang="en-US" dirty="0">
+                <a:hlinkClick r:id="rId3"/>
+              </a:rPr>
+              <a:t>https://www.w3schools.com/css/css3_mediaqueries.asp</a:t>
+            </a:r>
+            <a:endParaRPr lang="en-US" dirty="0"/>
+          </a:p>
+          <a:p>
+            <a:pPr marL="171450" marR="0" lvl="0" indent="-171450" algn="l" defTabSz="914400" rtl="0" eaLnBrk="1" fontAlgn="auto" latinLnBrk="0" hangingPunct="1">
+              <a:lnSpc>
+                <a:spcPct val="100000"/>
+              </a:lnSpc>
+              <a:spcBef>
+                <a:spcPts val="0"/>
+              </a:spcBef>
+              <a:spcAft>
+                <a:spcPts val="0"/>
+              </a:spcAft>
+              <a:buClrTx/>
+              <a:buSzTx/>
+              <a:buFontTx/>
+              <a:buChar char="-"/>
+              <a:tabLst/>
+              <a:defRPr/>
+            </a:pPr>
+            <a:endParaRPr lang="en-US" b="0" dirty="0"/>
+          </a:p>
+        </p:txBody>
+      </p:sp>
+      <p:sp>
+        <p:nvSpPr>
+          <p:cNvPr id="4" name="Slide Number Placeholder 3"/>
+          <p:cNvSpPr>
+            <a:spLocks noGrp="1"/>
+          </p:cNvSpPr>
+          <p:nvPr>
+            <p:ph type="sldNum" sz="quarter" idx="10"/>
+          </p:nvPr>
+        </p:nvSpPr>
+        <p:spPr/>
+        <p:txBody>
+          <a:bodyPr/>
+          <a:lstStyle/>
+          <a:p>
+            <a:fld id="{595D0871-5AD0-4670-BDA8-FBE649F625DD}" type="slidenum">
+              <a:rPr lang="he-IL" smtClean="0"/>
+              <a:t>7</a:t>
+            </a:fld>
+            <a:endParaRPr lang="he-IL"/>
+          </a:p>
+        </p:txBody>
+      </p:sp>
+    </p:spTree>
+    <p:extLst>
+      <p:ext uri="{BB962C8B-B14F-4D97-AF65-F5344CB8AC3E}">
+        <p14:creationId xmlns:p14="http://schemas.microsoft.com/office/powerpoint/2010/main" val="985335419"/>
+      </p:ext>
+    </p:extLst>
+  </p:cSld>
+  <p:clrMapOvr>
+    <a:masterClrMapping/>
+  </p:clrMapOvr>
+</p:notes>
+</file>
+
+<file path=ppt/notesSlides/notesSlide8.xml><?xml version="1.0" encoding="utf-8"?>
+<p:notes xmlns:a="http://schemas.openxmlformats.org/drawingml/2006/main" xmlns:r="http://schemas.openxmlformats.org/officeDocument/2006/relationships" xmlns:p="http://schemas.openxmlformats.org/presentationml/2006/main">
+  <p:cSld>
+    <p:spTree>
+      <p:nvGrpSpPr>
+        <p:cNvPr id="1" name=""/>
+        <p:cNvGrpSpPr/>
+        <p:nvPr/>
+      </p:nvGrpSpPr>
+      <p:grpSpPr>
+        <a:xfrm>
+          <a:off x="0" y="0"/>
+          <a:ext cx="0" cy="0"/>
+          <a:chOff x="0" y="0"/>
+          <a:chExt cx="0" cy="0"/>
+        </a:xfrm>
+      </p:grpSpPr>
+      <p:sp>
+        <p:nvSpPr>
+          <p:cNvPr id="2" name="Slide Image Placeholder 1"/>
+          <p:cNvSpPr>
+            <a:spLocks noGrp="1" noRot="1" noChangeAspect="1"/>
+          </p:cNvSpPr>
+          <p:nvPr>
+            <p:ph type="sldImg"/>
+          </p:nvPr>
+        </p:nvSpPr>
+        <p:spPr/>
+      </p:sp>
+      <p:sp>
+        <p:nvSpPr>
+          <p:cNvPr id="3" name="Notes Placeholder 2"/>
+          <p:cNvSpPr>
+            <a:spLocks noGrp="1"/>
+          </p:cNvSpPr>
+          <p:nvPr>
+            <p:ph type="body" idx="1"/>
+          </p:nvPr>
+        </p:nvSpPr>
+        <p:spPr/>
+        <p:txBody>
+          <a:bodyPr/>
+          <a:lstStyle/>
+          <a:p>
+            <a:pPr marL="0" marR="0" lvl="0" indent="0" algn="l" defTabSz="914400" rtl="0" eaLnBrk="1" fontAlgn="auto" latinLnBrk="0" hangingPunct="1">
+              <a:lnSpc>
+                <a:spcPct val="100000"/>
+              </a:lnSpc>
+              <a:spcBef>
+                <a:spcPts val="0"/>
+              </a:spcBef>
+              <a:spcAft>
+                <a:spcPts val="0"/>
+              </a:spcAft>
+              <a:buClrTx/>
+              <a:buSzTx/>
+              <a:buFontTx/>
+              <a:buNone/>
+              <a:tabLst/>
+              <a:defRPr/>
+            </a:pPr>
+            <a:r>
+              <a:rPr lang="en-US" b="0" dirty="0"/>
+              <a:t>Meta tag we are putting in html, but where to put the media query in our CSS file?</a:t>
+            </a:r>
+          </a:p>
+          <a:p>
+            <a:pPr marL="0" marR="0" lvl="0" indent="0" algn="l" defTabSz="914400" rtl="0" eaLnBrk="1" fontAlgn="auto" latinLnBrk="0" hangingPunct="1">
+              <a:lnSpc>
+                <a:spcPct val="100000"/>
+              </a:lnSpc>
+              <a:spcBef>
+                <a:spcPts val="0"/>
+              </a:spcBef>
+              <a:spcAft>
+                <a:spcPts val="0"/>
+              </a:spcAft>
+              <a:buClrTx/>
+              <a:buSzTx/>
+              <a:buFontTx/>
+              <a:buNone/>
+              <a:tabLst/>
+              <a:defRPr/>
+            </a:pPr>
+            <a:r>
+              <a:rPr lang="en-US" b="0" dirty="0"/>
+              <a:t>Anyone have an idea?</a:t>
+            </a:r>
+          </a:p>
+          <a:p>
+            <a:pPr marL="0" marR="0" lvl="0" indent="0" algn="l" defTabSz="914400" rtl="0" eaLnBrk="1" fontAlgn="auto" latinLnBrk="0" hangingPunct="1">
+              <a:lnSpc>
+                <a:spcPct val="100000"/>
+              </a:lnSpc>
+              <a:spcBef>
+                <a:spcPts val="0"/>
+              </a:spcBef>
+              <a:spcAft>
+                <a:spcPts val="0"/>
+              </a:spcAft>
+              <a:buClrTx/>
+              <a:buSzTx/>
+              <a:buFontTx/>
+              <a:buNone/>
+              <a:tabLst/>
+              <a:defRPr/>
+            </a:pPr>
+            <a:endParaRPr lang="en-US" b="0" dirty="0"/>
+          </a:p>
+          <a:p>
+            <a:pPr marL="0" marR="0" lvl="0" indent="0" algn="l" defTabSz="914400" rtl="0" eaLnBrk="1" fontAlgn="auto" latinLnBrk="0" hangingPunct="1">
+              <a:lnSpc>
+                <a:spcPct val="100000"/>
+              </a:lnSpc>
+              <a:spcBef>
+                <a:spcPts val="0"/>
+              </a:spcBef>
+              <a:spcAft>
+                <a:spcPts val="0"/>
+              </a:spcAft>
+              <a:buClrTx/>
+              <a:buSzTx/>
+              <a:buFontTx/>
+              <a:buNone/>
+              <a:tabLst/>
+              <a:defRPr/>
+            </a:pPr>
+            <a:r>
+              <a:rPr lang="en-US" b="0" dirty="0"/>
+              <a:t>Usually we will put it at the end of the file because we don’t know where to put it.</a:t>
+            </a:r>
+          </a:p>
+          <a:p>
+            <a:pPr marL="0" marR="0" lvl="0" indent="0" algn="l" defTabSz="914400" rtl="0" eaLnBrk="1" fontAlgn="auto" latinLnBrk="0" hangingPunct="1">
+              <a:lnSpc>
+                <a:spcPct val="100000"/>
+              </a:lnSpc>
+              <a:spcBef>
+                <a:spcPts val="0"/>
+              </a:spcBef>
+              <a:spcAft>
+                <a:spcPts val="0"/>
+              </a:spcAft>
+              <a:buClrTx/>
+              <a:buSzTx/>
+              <a:buFontTx/>
+              <a:buNone/>
+              <a:tabLst/>
+              <a:defRPr/>
+            </a:pPr>
+            <a:r>
+              <a:rPr lang="en-US" b="0" dirty="0"/>
+              <a:t>What is the issue?</a:t>
+            </a:r>
+          </a:p>
+          <a:p>
+            <a:pPr marL="0" marR="0" lvl="0" indent="0" algn="l" defTabSz="914400" rtl="0" eaLnBrk="1" fontAlgn="auto" latinLnBrk="0" hangingPunct="1">
+              <a:lnSpc>
+                <a:spcPct val="100000"/>
+              </a:lnSpc>
+              <a:spcBef>
+                <a:spcPts val="0"/>
+              </a:spcBef>
+              <a:spcAft>
+                <a:spcPts val="0"/>
+              </a:spcAft>
+              <a:buClrTx/>
+              <a:buSzTx/>
+              <a:buFontTx/>
+              <a:buNone/>
+              <a:tabLst/>
+              <a:defRPr/>
+            </a:pPr>
+            <a:r>
+              <a:rPr lang="en-US" b="0" dirty="0"/>
+              <a:t>It’s hard to maintain and hard to read because it’s at the bottom of our file.</a:t>
+            </a:r>
+          </a:p>
+          <a:p>
+            <a:pPr marL="0" marR="0" lvl="0" indent="0" algn="l" defTabSz="914400" rtl="0" eaLnBrk="1" fontAlgn="auto" latinLnBrk="0" hangingPunct="1">
+              <a:lnSpc>
+                <a:spcPct val="100000"/>
+              </a:lnSpc>
+              <a:spcBef>
+                <a:spcPts val="0"/>
+              </a:spcBef>
+              <a:spcAft>
+                <a:spcPts val="0"/>
+              </a:spcAft>
+              <a:buClrTx/>
+              <a:buSzTx/>
+              <a:buFontTx/>
+              <a:buNone/>
+              <a:tabLst/>
+              <a:defRPr/>
+            </a:pPr>
+            <a:endParaRPr lang="en-US" b="0" dirty="0"/>
+          </a:p>
+          <a:p>
+            <a:pPr marL="0" marR="0" lvl="0" indent="0" algn="l" defTabSz="914400" rtl="0" eaLnBrk="1" fontAlgn="auto" latinLnBrk="0" hangingPunct="1">
+              <a:lnSpc>
+                <a:spcPct val="100000"/>
+              </a:lnSpc>
+              <a:spcBef>
+                <a:spcPts val="0"/>
+              </a:spcBef>
+              <a:spcAft>
+                <a:spcPts val="0"/>
+              </a:spcAft>
+              <a:buClrTx/>
+              <a:buSzTx/>
+              <a:buFontTx/>
+              <a:buNone/>
+              <a:tabLst/>
+              <a:defRPr/>
+            </a:pPr>
+            <a:r>
+              <a:rPr lang="en-US" b="0" dirty="0"/>
+              <a:t>When we are using less/</a:t>
+            </a:r>
+            <a:r>
+              <a:rPr lang="en-US" b="0" dirty="0" err="1"/>
+              <a:t>scss</a:t>
+            </a:r>
+            <a:r>
+              <a:rPr lang="en-US" b="0" dirty="0"/>
+              <a:t> it have a great power, it’s allow us to put queries inside our class.</a:t>
+            </a:r>
+          </a:p>
+          <a:p>
+            <a:pPr marL="0" marR="0" lvl="0" indent="0" algn="l" defTabSz="914400" rtl="0" eaLnBrk="1" fontAlgn="auto" latinLnBrk="0" hangingPunct="1">
+              <a:lnSpc>
+                <a:spcPct val="100000"/>
+              </a:lnSpc>
+              <a:spcBef>
+                <a:spcPts val="0"/>
+              </a:spcBef>
+              <a:spcAft>
+                <a:spcPts val="0"/>
+              </a:spcAft>
+              <a:buClrTx/>
+              <a:buSzTx/>
+              <a:buFontTx/>
+              <a:buNone/>
+              <a:tabLst/>
+              <a:defRPr/>
+            </a:pPr>
+            <a:r>
+              <a:rPr lang="en-US" b="0" dirty="0"/>
+              <a:t>Let’s take a look</a:t>
+            </a:r>
+          </a:p>
+          <a:p>
+            <a:pPr marL="0" marR="0" lvl="0" indent="0" algn="l" defTabSz="914400" rtl="0" eaLnBrk="1" fontAlgn="auto" latinLnBrk="0" hangingPunct="1">
+              <a:lnSpc>
+                <a:spcPct val="100000"/>
+              </a:lnSpc>
+              <a:spcBef>
+                <a:spcPts val="0"/>
+              </a:spcBef>
+              <a:spcAft>
+                <a:spcPts val="0"/>
+              </a:spcAft>
+              <a:buClrTx/>
+              <a:buSzTx/>
+              <a:buFontTx/>
+              <a:buNone/>
+              <a:tabLst/>
+              <a:defRPr/>
+            </a:pPr>
+            <a:r>
+              <a:rPr lang="en-US" b="0" dirty="0"/>
+              <a:t>Inside .some-component class we will put inside media 500px to 1000px border width 2px and for bigger then 1000 we are creating media query with min width of 1001 and change the border to 3px;</a:t>
+            </a:r>
+          </a:p>
+          <a:p>
+            <a:pPr marL="0" marR="0" lvl="0" indent="0" algn="l" defTabSz="914400" rtl="0" eaLnBrk="1" fontAlgn="auto" latinLnBrk="0" hangingPunct="1">
+              <a:lnSpc>
+                <a:spcPct val="100000"/>
+              </a:lnSpc>
+              <a:spcBef>
+                <a:spcPts val="0"/>
+              </a:spcBef>
+              <a:spcAft>
+                <a:spcPts val="0"/>
+              </a:spcAft>
+              <a:buClrTx/>
+              <a:buSzTx/>
+              <a:buFontTx/>
+              <a:buNone/>
+              <a:tabLst/>
+              <a:defRPr/>
+            </a:pPr>
+            <a:endParaRPr lang="en-US" b="0" dirty="0"/>
+          </a:p>
+          <a:p>
+            <a:pPr marL="0" marR="0" lvl="0" indent="0" algn="l" defTabSz="914400" rtl="0" eaLnBrk="1" fontAlgn="auto" latinLnBrk="0" hangingPunct="1">
+              <a:lnSpc>
+                <a:spcPct val="100000"/>
+              </a:lnSpc>
+              <a:spcBef>
+                <a:spcPts val="0"/>
+              </a:spcBef>
+              <a:spcAft>
+                <a:spcPts val="0"/>
+              </a:spcAft>
+              <a:buClrTx/>
+              <a:buSzTx/>
+              <a:buFontTx/>
+              <a:buNone/>
+              <a:tabLst/>
+              <a:defRPr/>
+            </a:pPr>
+            <a:r>
+              <a:rPr lang="en-US" b="0" dirty="0"/>
+              <a:t>In CSS (not less/</a:t>
+            </a:r>
+            <a:r>
+              <a:rPr lang="en-US" b="0" dirty="0" err="1"/>
+              <a:t>scss</a:t>
+            </a:r>
+            <a:r>
+              <a:rPr lang="en-US" b="0" dirty="0"/>
+              <a:t>) it will looks like the following picture.</a:t>
+            </a:r>
+          </a:p>
+          <a:p>
+            <a:pPr marL="0" marR="0" lvl="0" indent="0" algn="l" defTabSz="914400" rtl="0" eaLnBrk="1" fontAlgn="auto" latinLnBrk="0" hangingPunct="1">
+              <a:lnSpc>
+                <a:spcPct val="100000"/>
+              </a:lnSpc>
+              <a:spcBef>
+                <a:spcPts val="0"/>
+              </a:spcBef>
+              <a:spcAft>
+                <a:spcPts val="0"/>
+              </a:spcAft>
+              <a:buClrTx/>
+              <a:buSzTx/>
+              <a:buFontTx/>
+              <a:buNone/>
+              <a:tabLst/>
+              <a:defRPr/>
+            </a:pPr>
+            <a:endParaRPr lang="en-US" b="0" dirty="0"/>
+          </a:p>
+          <a:p>
+            <a:pPr marL="0" marR="0" lvl="0" indent="0" algn="l" defTabSz="914400" rtl="0" eaLnBrk="1" fontAlgn="auto" latinLnBrk="0" hangingPunct="1">
+              <a:lnSpc>
+                <a:spcPct val="100000"/>
+              </a:lnSpc>
+              <a:spcBef>
+                <a:spcPts val="0"/>
+              </a:spcBef>
+              <a:spcAft>
+                <a:spcPts val="0"/>
+              </a:spcAft>
+              <a:buClrTx/>
+              <a:buSzTx/>
+              <a:buFontTx/>
+              <a:buNone/>
+              <a:tabLst/>
+              <a:defRPr/>
+            </a:pPr>
+            <a:endParaRPr lang="en-US" b="0" dirty="0"/>
+          </a:p>
+        </p:txBody>
+      </p:sp>
+      <p:sp>
+        <p:nvSpPr>
+          <p:cNvPr id="4" name="Slide Number Placeholder 3"/>
+          <p:cNvSpPr>
+            <a:spLocks noGrp="1"/>
+          </p:cNvSpPr>
+          <p:nvPr>
+            <p:ph type="sldNum" sz="quarter" idx="10"/>
+          </p:nvPr>
+        </p:nvSpPr>
+        <p:spPr/>
+        <p:txBody>
+          <a:bodyPr/>
+          <a:lstStyle/>
+          <a:p>
+            <a:fld id="{595D0871-5AD0-4670-BDA8-FBE649F625DD}" type="slidenum">
+              <a:rPr lang="he-IL" smtClean="0"/>
+              <a:t>8</a:t>
+            </a:fld>
+            <a:endParaRPr lang="he-IL"/>
+          </a:p>
+        </p:txBody>
+      </p:sp>
+    </p:spTree>
+    <p:extLst>
+      <p:ext uri="{BB962C8B-B14F-4D97-AF65-F5344CB8AC3E}">
+        <p14:creationId xmlns:p14="http://schemas.microsoft.com/office/powerpoint/2010/main" val="1736927005"/>
+      </p:ext>
+    </p:extLst>
+  </p:cSld>
+  <p:clrMapOvr>
+    <a:masterClrMapping/>
+  </p:clrMapOvr>
+</p:notes>
+</file>
+
+<file path=ppt/notesSlides/notesSlide9.xml><?xml version="1.0" encoding="utf-8"?>
+<p:notes xmlns:a="http://schemas.openxmlformats.org/drawingml/2006/main" xmlns:r="http://schemas.openxmlformats.org/officeDocument/2006/relationships" xmlns:p="http://schemas.openxmlformats.org/presentationml/2006/main">
+  <p:cSld>
+    <p:spTree>
+      <p:nvGrpSpPr>
+        <p:cNvPr id="1" name=""/>
+        <p:cNvGrpSpPr/>
+        <p:nvPr/>
+      </p:nvGrpSpPr>
+      <p:grpSpPr>
+        <a:xfrm>
+          <a:off x="0" y="0"/>
+          <a:ext cx="0" cy="0"/>
+          <a:chOff x="0" y="0"/>
+          <a:chExt cx="0" cy="0"/>
+        </a:xfrm>
+      </p:grpSpPr>
+      <p:sp>
+        <p:nvSpPr>
+          <p:cNvPr id="2" name="Slide Image Placeholder 1"/>
+          <p:cNvSpPr>
+            <a:spLocks noGrp="1" noRot="1" noChangeAspect="1"/>
+          </p:cNvSpPr>
+          <p:nvPr>
+            <p:ph type="sldImg"/>
+          </p:nvPr>
+        </p:nvSpPr>
+        <p:spPr/>
+      </p:sp>
+      <p:sp>
+        <p:nvSpPr>
+          <p:cNvPr id="3" name="Notes Placeholder 2"/>
+          <p:cNvSpPr>
+            <a:spLocks noGrp="1"/>
+          </p:cNvSpPr>
+          <p:nvPr>
+            <p:ph type="body" idx="1"/>
+          </p:nvPr>
+        </p:nvSpPr>
+        <p:spPr/>
+        <p:txBody>
+          <a:bodyPr/>
+          <a:lstStyle/>
+          <a:p>
+            <a:pPr marL="0" marR="0" lvl="0" indent="0" algn="l" defTabSz="914400" rtl="0" eaLnBrk="1" fontAlgn="auto" latinLnBrk="0" hangingPunct="1">
+              <a:lnSpc>
+                <a:spcPct val="100000"/>
+              </a:lnSpc>
+              <a:spcBef>
+                <a:spcPts val="0"/>
+              </a:spcBef>
+              <a:spcAft>
+                <a:spcPts val="0"/>
+              </a:spcAft>
+              <a:buClrTx/>
+              <a:buSzTx/>
+              <a:buFontTx/>
+              <a:buNone/>
+              <a:tabLst/>
+              <a:defRPr/>
+            </a:pPr>
+            <a:r>
+              <a:rPr lang="en-US" b="0" dirty="0"/>
+              <a:t>What is the problem with our media queries?</a:t>
+            </a:r>
+          </a:p>
+          <a:p>
+            <a:pPr marL="0" marR="0" lvl="0" indent="0" algn="l" defTabSz="914400" rtl="0" eaLnBrk="1" fontAlgn="auto" latinLnBrk="0" hangingPunct="1">
+              <a:lnSpc>
+                <a:spcPct val="100000"/>
+              </a:lnSpc>
+              <a:spcBef>
+                <a:spcPts val="0"/>
+              </a:spcBef>
+              <a:spcAft>
+                <a:spcPts val="0"/>
+              </a:spcAft>
+              <a:buClrTx/>
+              <a:buSzTx/>
+              <a:buFontTx/>
+              <a:buNone/>
+              <a:tabLst/>
+              <a:defRPr/>
+            </a:pPr>
+            <a:endParaRPr lang="en-US" b="0" dirty="0"/>
+          </a:p>
+          <a:p>
+            <a:pPr marL="0" marR="0" lvl="0" indent="0" algn="l" defTabSz="914400" rtl="0" eaLnBrk="1" fontAlgn="auto" latinLnBrk="0" hangingPunct="1">
+              <a:lnSpc>
+                <a:spcPct val="100000"/>
+              </a:lnSpc>
+              <a:spcBef>
+                <a:spcPts val="0"/>
+              </a:spcBef>
+              <a:spcAft>
+                <a:spcPts val="0"/>
+              </a:spcAft>
+              <a:buClrTx/>
+              <a:buSzTx/>
+              <a:buFontTx/>
+              <a:buNone/>
+              <a:tabLst/>
+              <a:defRPr/>
+            </a:pPr>
+            <a:r>
+              <a:rPr lang="en-US" b="0" dirty="0"/>
+              <a:t>We are repeating this code, if we will need to change it </a:t>
+            </a:r>
+            <a:r>
+              <a:rPr lang="en-US" b="0" dirty="0" err="1"/>
+              <a:t>it</a:t>
+            </a:r>
+            <a:r>
+              <a:rPr lang="en-US" b="0" dirty="0"/>
+              <a:t> will apply on a lot of places,</a:t>
+            </a:r>
+          </a:p>
+          <a:p>
+            <a:pPr marL="0" marR="0" lvl="0" indent="0" algn="l" defTabSz="914400" rtl="0" eaLnBrk="1" fontAlgn="auto" latinLnBrk="0" hangingPunct="1">
+              <a:lnSpc>
+                <a:spcPct val="100000"/>
+              </a:lnSpc>
+              <a:spcBef>
+                <a:spcPts val="0"/>
+              </a:spcBef>
+              <a:spcAft>
+                <a:spcPts val="0"/>
+              </a:spcAft>
+              <a:buClrTx/>
+              <a:buSzTx/>
+              <a:buFontTx/>
+              <a:buNone/>
+              <a:tabLst/>
+              <a:defRPr/>
+            </a:pPr>
+            <a:r>
+              <a:rPr lang="en-US" b="0" dirty="0"/>
+              <a:t>It’s hard to maintain</a:t>
+            </a:r>
+          </a:p>
+          <a:p>
+            <a:pPr marL="0" marR="0" lvl="0" indent="0" algn="l" defTabSz="914400" rtl="0" eaLnBrk="1" fontAlgn="auto" latinLnBrk="0" hangingPunct="1">
+              <a:lnSpc>
+                <a:spcPct val="100000"/>
+              </a:lnSpc>
+              <a:spcBef>
+                <a:spcPts val="0"/>
+              </a:spcBef>
+              <a:spcAft>
+                <a:spcPts val="0"/>
+              </a:spcAft>
+              <a:buClrTx/>
+              <a:buSzTx/>
+              <a:buFontTx/>
+              <a:buNone/>
+              <a:tabLst/>
+              <a:defRPr/>
+            </a:pPr>
+            <a:endParaRPr lang="en-US" b="0" dirty="0"/>
+          </a:p>
+          <a:p>
+            <a:pPr marL="0" marR="0" lvl="0" indent="0" algn="l" defTabSz="914400" rtl="0" eaLnBrk="1" fontAlgn="auto" latinLnBrk="0" hangingPunct="1">
+              <a:lnSpc>
+                <a:spcPct val="100000"/>
+              </a:lnSpc>
+              <a:spcBef>
+                <a:spcPts val="0"/>
+              </a:spcBef>
+              <a:spcAft>
+                <a:spcPts val="0"/>
+              </a:spcAft>
+              <a:buClrTx/>
+              <a:buSzTx/>
+              <a:buFontTx/>
+              <a:buNone/>
+              <a:tabLst/>
+              <a:defRPr/>
+            </a:pPr>
+            <a:r>
+              <a:rPr lang="en-US" b="0" dirty="0"/>
+              <a:t>Ow can we solve it?</a:t>
+            </a:r>
+          </a:p>
+          <a:p>
+            <a:pPr marL="0" marR="0" lvl="0" indent="0" algn="l" defTabSz="914400" rtl="0" eaLnBrk="1" fontAlgn="auto" latinLnBrk="0" hangingPunct="1">
+              <a:lnSpc>
+                <a:spcPct val="100000"/>
+              </a:lnSpc>
+              <a:spcBef>
+                <a:spcPts val="0"/>
+              </a:spcBef>
+              <a:spcAft>
+                <a:spcPts val="0"/>
+              </a:spcAft>
+              <a:buClrTx/>
+              <a:buSzTx/>
+              <a:buFontTx/>
+              <a:buNone/>
+              <a:tabLst/>
+              <a:defRPr/>
+            </a:pPr>
+            <a:r>
+              <a:rPr lang="en-US" b="0" dirty="0"/>
+              <a:t>Put it in a variable</a:t>
+            </a:r>
+          </a:p>
+          <a:p>
+            <a:pPr marL="0" marR="0" lvl="0" indent="0" algn="l" defTabSz="914400" rtl="0" eaLnBrk="1" fontAlgn="auto" latinLnBrk="0" hangingPunct="1">
+              <a:lnSpc>
+                <a:spcPct val="100000"/>
+              </a:lnSpc>
+              <a:spcBef>
+                <a:spcPts val="0"/>
+              </a:spcBef>
+              <a:spcAft>
+                <a:spcPts val="0"/>
+              </a:spcAft>
+              <a:buClrTx/>
+              <a:buSzTx/>
+              <a:buFontTx/>
+              <a:buNone/>
+              <a:tabLst/>
+              <a:defRPr/>
+            </a:pPr>
+            <a:endParaRPr lang="en-US" b="0" dirty="0"/>
+          </a:p>
+          <a:p>
+            <a:pPr marL="0" marR="0" lvl="0" indent="0" algn="l" defTabSz="914400" rtl="0" eaLnBrk="1" fontAlgn="auto" latinLnBrk="0" hangingPunct="1">
+              <a:lnSpc>
+                <a:spcPct val="100000"/>
+              </a:lnSpc>
+              <a:spcBef>
+                <a:spcPts val="0"/>
+              </a:spcBef>
+              <a:spcAft>
+                <a:spcPts val="0"/>
+              </a:spcAft>
+              <a:buClrTx/>
+              <a:buSzTx/>
+              <a:buFontTx/>
+              <a:buNone/>
+              <a:tabLst/>
+              <a:defRPr/>
+            </a:pPr>
+            <a:r>
+              <a:rPr lang="en-US" b="0" dirty="0"/>
+              <a:t>And this is going to be the implementation.</a:t>
+            </a:r>
+          </a:p>
+          <a:p>
+            <a:pPr marL="0" marR="0" lvl="0" indent="0" algn="l" defTabSz="914400" rtl="0" eaLnBrk="1" fontAlgn="auto" latinLnBrk="0" hangingPunct="1">
+              <a:lnSpc>
+                <a:spcPct val="100000"/>
+              </a:lnSpc>
+              <a:spcBef>
+                <a:spcPts val="0"/>
+              </a:spcBef>
+              <a:spcAft>
+                <a:spcPts val="0"/>
+              </a:spcAft>
+              <a:buClrTx/>
+              <a:buSzTx/>
+              <a:buFontTx/>
+              <a:buNone/>
+              <a:tabLst/>
+              <a:defRPr/>
+            </a:pPr>
+            <a:endParaRPr lang="en-US" b="0" dirty="0"/>
+          </a:p>
+          <a:p>
+            <a:pPr marL="0" marR="0" lvl="0" indent="0" algn="l" defTabSz="914400" rtl="0" eaLnBrk="1" fontAlgn="auto" latinLnBrk="0" hangingPunct="1">
+              <a:lnSpc>
+                <a:spcPct val="100000"/>
+              </a:lnSpc>
+              <a:spcBef>
+                <a:spcPts val="0"/>
+              </a:spcBef>
+              <a:spcAft>
+                <a:spcPts val="0"/>
+              </a:spcAft>
+              <a:buClrTx/>
+              <a:buSzTx/>
+              <a:buFontTx/>
+              <a:buNone/>
+              <a:tabLst/>
+              <a:defRPr/>
+            </a:pPr>
+            <a:r>
+              <a:rPr lang="en-US" b="0" dirty="0"/>
+              <a:t>Why break1, 2, 3?</a:t>
+            </a:r>
+          </a:p>
+          <a:p>
+            <a:pPr marL="0" marR="0" lvl="0" indent="0" algn="l" defTabSz="914400" rtl="0" eaLnBrk="1" fontAlgn="auto" latinLnBrk="0" hangingPunct="1">
+              <a:lnSpc>
+                <a:spcPct val="100000"/>
+              </a:lnSpc>
+              <a:spcBef>
+                <a:spcPts val="0"/>
+              </a:spcBef>
+              <a:spcAft>
+                <a:spcPts val="0"/>
+              </a:spcAft>
+              <a:buClrTx/>
+              <a:buSzTx/>
+              <a:buFontTx/>
+              <a:buNone/>
+              <a:tabLst/>
+              <a:defRPr/>
+            </a:pPr>
+            <a:r>
+              <a:rPr lang="en-US" b="0" dirty="0"/>
+              <a:t>Because there is </a:t>
+            </a:r>
+            <a:r>
+              <a:rPr lang="en-US" b="0" dirty="0" err="1"/>
+              <a:t>bo</a:t>
+            </a:r>
+            <a:r>
+              <a:rPr lang="en-US" b="0" dirty="0"/>
+              <a:t> mobile mode, in mobile we can rotate the screen and we will receive the tablet mode so there is no point to call it mobile break.</a:t>
+            </a:r>
+          </a:p>
+        </p:txBody>
+      </p:sp>
+      <p:sp>
+        <p:nvSpPr>
+          <p:cNvPr id="4" name="Slide Number Placeholder 3"/>
+          <p:cNvSpPr>
+            <a:spLocks noGrp="1"/>
+          </p:cNvSpPr>
+          <p:nvPr>
+            <p:ph type="sldNum" sz="quarter" idx="10"/>
+          </p:nvPr>
+        </p:nvSpPr>
+        <p:spPr/>
+        <p:txBody>
+          <a:bodyPr/>
+          <a:lstStyle/>
+          <a:p>
+            <a:fld id="{595D0871-5AD0-4670-BDA8-FBE649F625DD}" type="slidenum">
+              <a:rPr lang="he-IL" smtClean="0"/>
+              <a:t>9</a:t>
+            </a:fld>
+            <a:endParaRPr lang="he-IL"/>
+          </a:p>
+        </p:txBody>
+      </p:sp>
+    </p:spTree>
+    <p:extLst>
+      <p:ext uri="{BB962C8B-B14F-4D97-AF65-F5344CB8AC3E}">
+        <p14:creationId xmlns:p14="http://schemas.microsoft.com/office/powerpoint/2010/main" val="1440193963"/>
       </p:ext>
     </p:extLst>
   </p:cSld>
@@ -820,7 +4142,7 @@
           <a:p>
             <a:fld id="{F472E424-CC75-4448-A1B5-6FCA6BFEE599}" type="datetimeFigureOut">
               <a:rPr lang="he-IL" smtClean="0"/>
-              <a:t>כ"ז/סיון/תשע"ט</a:t>
+              <a:t>י"ח/תמוז/תשע"ט</a:t>
             </a:fld>
             <a:endParaRPr lang="he-IL"/>
           </a:p>
@@ -988,7 +4310,7 @@
           <a:p>
             <a:fld id="{F472E424-CC75-4448-A1B5-6FCA6BFEE599}" type="datetimeFigureOut">
               <a:rPr lang="he-IL" smtClean="0"/>
-              <a:t>כ"ז/סיון/תשע"ט</a:t>
+              <a:t>י"ח/תמוז/תשע"ט</a:t>
             </a:fld>
             <a:endParaRPr lang="he-IL"/>
           </a:p>
@@ -1166,7 +4488,7 @@
           <a:p>
             <a:fld id="{F472E424-CC75-4448-A1B5-6FCA6BFEE599}" type="datetimeFigureOut">
               <a:rPr lang="he-IL" smtClean="0"/>
-              <a:t>כ"ז/סיון/תשע"ט</a:t>
+              <a:t>י"ח/תמוז/תשע"ט</a:t>
             </a:fld>
             <a:endParaRPr lang="he-IL"/>
           </a:p>
@@ -1334,7 +4656,7 @@
           <a:p>
             <a:fld id="{F472E424-CC75-4448-A1B5-6FCA6BFEE599}" type="datetimeFigureOut">
               <a:rPr lang="he-IL" smtClean="0"/>
-              <a:t>כ"ז/סיון/תשע"ט</a:t>
+              <a:t>י"ח/תמוז/תשע"ט</a:t>
             </a:fld>
             <a:endParaRPr lang="he-IL"/>
           </a:p>
@@ -1579,7 +4901,7 @@
           <a:p>
             <a:fld id="{F472E424-CC75-4448-A1B5-6FCA6BFEE599}" type="datetimeFigureOut">
               <a:rPr lang="he-IL" smtClean="0"/>
-              <a:t>כ"ז/סיון/תשע"ט</a:t>
+              <a:t>י"ח/תמוז/תשע"ט</a:t>
             </a:fld>
             <a:endParaRPr lang="he-IL"/>
           </a:p>
@@ -1808,7 +5130,7 @@
           <a:p>
             <a:fld id="{F472E424-CC75-4448-A1B5-6FCA6BFEE599}" type="datetimeFigureOut">
               <a:rPr lang="he-IL" smtClean="0"/>
-              <a:t>כ"ז/סיון/תשע"ט</a:t>
+              <a:t>י"ח/תמוז/תשע"ט</a:t>
             </a:fld>
             <a:endParaRPr lang="he-IL"/>
           </a:p>
@@ -2172,7 +5494,7 @@
           <a:p>
             <a:fld id="{F472E424-CC75-4448-A1B5-6FCA6BFEE599}" type="datetimeFigureOut">
               <a:rPr lang="he-IL" smtClean="0"/>
-              <a:t>כ"ז/סיון/תשע"ט</a:t>
+              <a:t>י"ח/תמוז/תשע"ט</a:t>
             </a:fld>
             <a:endParaRPr lang="he-IL"/>
           </a:p>
@@ -2289,7 +5611,7 @@
           <a:p>
             <a:fld id="{F472E424-CC75-4448-A1B5-6FCA6BFEE599}" type="datetimeFigureOut">
               <a:rPr lang="he-IL" smtClean="0"/>
-              <a:t>כ"ז/סיון/תשע"ט</a:t>
+              <a:t>י"ח/תמוז/תשע"ט</a:t>
             </a:fld>
             <a:endParaRPr lang="he-IL"/>
           </a:p>
@@ -2384,7 +5706,7 @@
           <a:p>
             <a:fld id="{F472E424-CC75-4448-A1B5-6FCA6BFEE599}" type="datetimeFigureOut">
               <a:rPr lang="he-IL" smtClean="0"/>
-              <a:t>כ"ז/סיון/תשע"ט</a:t>
+              <a:t>י"ח/תמוז/תשע"ט</a:t>
             </a:fld>
             <a:endParaRPr lang="he-IL"/>
           </a:p>
@@ -2659,7 +5981,7 @@
           <a:p>
             <a:fld id="{F472E424-CC75-4448-A1B5-6FCA6BFEE599}" type="datetimeFigureOut">
               <a:rPr lang="he-IL" smtClean="0"/>
-              <a:t>כ"ז/סיון/תשע"ט</a:t>
+              <a:t>י"ח/תמוז/תשע"ט</a:t>
             </a:fld>
             <a:endParaRPr lang="he-IL"/>
           </a:p>
@@ -2911,7 +6233,7 @@
           <a:p>
             <a:fld id="{F472E424-CC75-4448-A1B5-6FCA6BFEE599}" type="datetimeFigureOut">
               <a:rPr lang="he-IL" smtClean="0"/>
-              <a:t>כ"ז/סיון/תשע"ט</a:t>
+              <a:t>י"ח/תמוז/תשע"ט</a:t>
             </a:fld>
             <a:endParaRPr lang="he-IL"/>
           </a:p>
@@ -3122,7 +6444,7 @@
           <a:p>
             <a:fld id="{F472E424-CC75-4448-A1B5-6FCA6BFEE599}" type="datetimeFigureOut">
               <a:rPr lang="he-IL" smtClean="0"/>
-              <a:t>כ"ז/סיון/תשע"ט</a:t>
+              <a:t>י"ח/תמוז/תשע"ט</a:t>
             </a:fld>
             <a:endParaRPr lang="he-IL"/>
           </a:p>
@@ -3649,7 +6971,7 @@
 </p:sld>
 </file>
 
-<file path=ppt/slides/slide2.xml><?xml version="1.0" encoding="utf-8"?>
+<file path=ppt/slides/slide10.xml><?xml version="1.0" encoding="utf-8"?>
 <p:sld xmlns:a="http://schemas.openxmlformats.org/drawingml/2006/main" xmlns:r="http://schemas.openxmlformats.org/officeDocument/2006/relationships" xmlns:p="http://schemas.openxmlformats.org/presentationml/2006/main">
   <p:cSld>
     <p:spTree>
@@ -3745,7 +7067,7 @@
                   <a:schemeClr val="bg1"/>
                 </a:solidFill>
               </a:rPr>
-              <a:t>Title</a:t>
+              <a:t>Open or Closed Breakpoints?</a:t>
             </a:r>
             <a:endParaRPr lang="en-US" altLang="en-US" sz="6000" b="1" dirty="0">
               <a:solidFill>
@@ -3759,7 +7081,1195 @@
     </p:spTree>
     <p:extLst>
       <p:ext uri="{BB962C8B-B14F-4D97-AF65-F5344CB8AC3E}">
+        <p14:creationId xmlns:p14="http://schemas.microsoft.com/office/powerpoint/2010/main" val="2660080554"/>
+      </p:ext>
+    </p:extLst>
+  </p:cSld>
+  <p:clrMapOvr>
+    <a:masterClrMapping/>
+  </p:clrMapOvr>
+  <mc:AlternateContent xmlns:mc="http://schemas.openxmlformats.org/markup-compatibility/2006" xmlns:p14="http://schemas.microsoft.com/office/powerpoint/2010/main">
+    <mc:Choice Requires="p14">
+      <p:transition spd="med" p14:dur="700">
+        <p:fade/>
+      </p:transition>
+    </mc:Choice>
+    <mc:Fallback xmlns="">
+      <p:transition xmlns:p14="http://schemas.microsoft.com/office/powerpoint/2010/main" spd="med">
+        <p:fade/>
+      </p:transition>
+    </mc:Fallback>
+  </mc:AlternateContent>
+</p:sld>
+</file>
+
+<file path=ppt/slides/slide11.xml><?xml version="1.0" encoding="utf-8"?>
+<p:sld xmlns:a="http://schemas.openxmlformats.org/drawingml/2006/main" xmlns:r="http://schemas.openxmlformats.org/officeDocument/2006/relationships" xmlns:p="http://schemas.openxmlformats.org/presentationml/2006/main">
+  <p:cSld>
+    <p:spTree>
+      <p:nvGrpSpPr>
+        <p:cNvPr id="1" name=""/>
+        <p:cNvGrpSpPr/>
+        <p:nvPr/>
+      </p:nvGrpSpPr>
+      <p:grpSpPr>
+        <a:xfrm>
+          <a:off x="0" y="0"/>
+          <a:ext cx="0" cy="0"/>
+          <a:chOff x="0" y="0"/>
+          <a:chExt cx="0" cy="0"/>
+        </a:xfrm>
+      </p:grpSpPr>
+      <p:sp>
+        <p:nvSpPr>
+          <p:cNvPr id="6" name="Rectangle 5"/>
+          <p:cNvSpPr/>
+          <p:nvPr/>
+        </p:nvSpPr>
+        <p:spPr>
+          <a:xfrm>
+            <a:off x="-215115" y="0"/>
+            <a:ext cx="12407115" cy="6858000"/>
+          </a:xfrm>
+          <a:prstGeom prst="rect">
+            <a:avLst/>
+          </a:prstGeom>
+          <a:solidFill>
+            <a:schemeClr val="accent1">
+              <a:lumMod val="75000"/>
+            </a:schemeClr>
+          </a:solidFill>
+          <a:ln>
+            <a:noFill/>
+          </a:ln>
+        </p:spPr>
+        <p:style>
+          <a:lnRef idx="1">
+            <a:schemeClr val="accent1"/>
+          </a:lnRef>
+          <a:fillRef idx="3">
+            <a:schemeClr val="accent1"/>
+          </a:fillRef>
+          <a:effectRef idx="2">
+            <a:schemeClr val="accent1"/>
+          </a:effectRef>
+          <a:fontRef idx="minor">
+            <a:schemeClr val="lt1"/>
+          </a:fontRef>
+        </p:style>
+        <p:txBody>
+          <a:bodyPr rtlCol="0" anchor="ctr"/>
+          <a:lstStyle/>
+          <a:p>
+            <a:pPr algn="ctr"/>
+            <a:endParaRPr lang="en-US" sz="2400"/>
+          </a:p>
+        </p:txBody>
+      </p:sp>
+      <p:sp>
+        <p:nvSpPr>
+          <p:cNvPr id="24" name="Title 1"/>
+          <p:cNvSpPr>
+            <a:spLocks noGrp="1"/>
+          </p:cNvSpPr>
+          <p:nvPr>
+            <p:ph type="title"/>
+          </p:nvPr>
+        </p:nvSpPr>
+        <p:spPr>
+          <a:xfrm>
+            <a:off x="502042" y="1936377"/>
+            <a:ext cx="10972800" cy="2985246"/>
+          </a:xfrm>
+        </p:spPr>
+        <p:txBody>
+          <a:bodyPr>
+            <a:noAutofit/>
+          </a:bodyPr>
+          <a:lstStyle/>
+          <a:p>
+            <a:pPr algn="ctr" rtl="0" eaLnBrk="0" fontAlgn="base" hangingPunct="0">
+              <a:spcAft>
+                <a:spcPct val="0"/>
+              </a:spcAft>
+            </a:pPr>
+            <a:r>
+              <a:rPr lang="en-US" sz="6000" dirty="0">
+                <a:solidFill>
+                  <a:schemeClr val="bg1"/>
+                </a:solidFill>
+              </a:rPr>
+              <a:t>“Desktop First” or “Mobile First”?</a:t>
+            </a:r>
+            <a:endParaRPr lang="en-US" altLang="en-US" sz="6000" b="1" dirty="0">
+              <a:solidFill>
+                <a:schemeClr val="bg1"/>
+              </a:solidFill>
+              <a:latin typeface="Calibri (Body)"/>
+            </a:endParaRPr>
+          </a:p>
+        </p:txBody>
+      </p:sp>
+    </p:spTree>
+    <p:extLst>
+      <p:ext uri="{BB962C8B-B14F-4D97-AF65-F5344CB8AC3E}">
+        <p14:creationId xmlns:p14="http://schemas.microsoft.com/office/powerpoint/2010/main" val="3989145491"/>
+      </p:ext>
+    </p:extLst>
+  </p:cSld>
+  <p:clrMapOvr>
+    <a:masterClrMapping/>
+  </p:clrMapOvr>
+  <mc:AlternateContent xmlns:mc="http://schemas.openxmlformats.org/markup-compatibility/2006" xmlns:p14="http://schemas.microsoft.com/office/powerpoint/2010/main">
+    <mc:Choice Requires="p14">
+      <p:transition spd="med" p14:dur="700">
+        <p:fade/>
+      </p:transition>
+    </mc:Choice>
+    <mc:Fallback xmlns="">
+      <p:transition xmlns:p14="http://schemas.microsoft.com/office/powerpoint/2010/main" spd="med">
+        <p:fade/>
+      </p:transition>
+    </mc:Fallback>
+  </mc:AlternateContent>
+</p:sld>
+</file>
+
+<file path=ppt/slides/slide2.xml><?xml version="1.0" encoding="utf-8"?>
+<p:sld xmlns:a="http://schemas.openxmlformats.org/drawingml/2006/main" xmlns:r="http://schemas.openxmlformats.org/officeDocument/2006/relationships" xmlns:p="http://schemas.openxmlformats.org/presentationml/2006/main">
+  <p:cSld>
+    <p:spTree>
+      <p:nvGrpSpPr>
+        <p:cNvPr id="1" name=""/>
+        <p:cNvGrpSpPr/>
+        <p:nvPr/>
+      </p:nvGrpSpPr>
+      <p:grpSpPr>
+        <a:xfrm>
+          <a:off x="0" y="0"/>
+          <a:ext cx="0" cy="0"/>
+          <a:chOff x="0" y="0"/>
+          <a:chExt cx="0" cy="0"/>
+        </a:xfrm>
+      </p:grpSpPr>
+      <p:sp>
+        <p:nvSpPr>
+          <p:cNvPr id="6" name="Rectangle 5"/>
+          <p:cNvSpPr/>
+          <p:nvPr/>
+        </p:nvSpPr>
+        <p:spPr>
+          <a:xfrm>
+            <a:off x="-215115" y="0"/>
+            <a:ext cx="12407115" cy="6858000"/>
+          </a:xfrm>
+          <a:prstGeom prst="rect">
+            <a:avLst/>
+          </a:prstGeom>
+          <a:solidFill>
+            <a:schemeClr val="accent1">
+              <a:lumMod val="75000"/>
+            </a:schemeClr>
+          </a:solidFill>
+          <a:ln>
+            <a:noFill/>
+          </a:ln>
+        </p:spPr>
+        <p:style>
+          <a:lnRef idx="1">
+            <a:schemeClr val="accent1"/>
+          </a:lnRef>
+          <a:fillRef idx="3">
+            <a:schemeClr val="accent1"/>
+          </a:fillRef>
+          <a:effectRef idx="2">
+            <a:schemeClr val="accent1"/>
+          </a:effectRef>
+          <a:fontRef idx="minor">
+            <a:schemeClr val="lt1"/>
+          </a:fontRef>
+        </p:style>
+        <p:txBody>
+          <a:bodyPr rtlCol="0" anchor="ctr"/>
+          <a:lstStyle/>
+          <a:p>
+            <a:pPr algn="ctr"/>
+            <a:endParaRPr lang="en-US" sz="2400"/>
+          </a:p>
+        </p:txBody>
+      </p:sp>
+      <p:sp>
+        <p:nvSpPr>
+          <p:cNvPr id="24" name="Title 1"/>
+          <p:cNvSpPr>
+            <a:spLocks noGrp="1"/>
+          </p:cNvSpPr>
+          <p:nvPr>
+            <p:ph type="title"/>
+          </p:nvPr>
+        </p:nvSpPr>
+        <p:spPr>
+          <a:xfrm>
+            <a:off x="502042" y="1936377"/>
+            <a:ext cx="10972800" cy="2985246"/>
+          </a:xfrm>
+        </p:spPr>
+        <p:txBody>
+          <a:bodyPr>
+            <a:noAutofit/>
+          </a:bodyPr>
+          <a:lstStyle/>
+          <a:p>
+            <a:pPr algn="ctr" rtl="0" eaLnBrk="0" fontAlgn="base" hangingPunct="0">
+              <a:spcAft>
+                <a:spcPct val="0"/>
+              </a:spcAft>
+            </a:pPr>
+            <a:r>
+              <a:rPr lang="en-US" sz="6000" dirty="0">
+                <a:solidFill>
+                  <a:schemeClr val="bg1"/>
+                </a:solidFill>
+              </a:rPr>
+              <a:t>Responsive web design</a:t>
+            </a:r>
+            <a:endParaRPr lang="en-US" altLang="en-US" sz="6000" b="1" dirty="0">
+              <a:solidFill>
+                <a:schemeClr val="bg1"/>
+              </a:solidFill>
+              <a:latin typeface="Calibri (Body)"/>
+            </a:endParaRPr>
+          </a:p>
+        </p:txBody>
+      </p:sp>
+    </p:spTree>
+    <p:extLst>
+      <p:ext uri="{BB962C8B-B14F-4D97-AF65-F5344CB8AC3E}">
         <p14:creationId xmlns:p14="http://schemas.microsoft.com/office/powerpoint/2010/main" val="2260368804"/>
+      </p:ext>
+    </p:extLst>
+  </p:cSld>
+  <p:clrMapOvr>
+    <a:masterClrMapping/>
+  </p:clrMapOvr>
+  <mc:AlternateContent xmlns:mc="http://schemas.openxmlformats.org/markup-compatibility/2006" xmlns:p14="http://schemas.microsoft.com/office/powerpoint/2010/main">
+    <mc:Choice Requires="p14">
+      <p:transition spd="med" p14:dur="700">
+        <p:fade/>
+      </p:transition>
+    </mc:Choice>
+    <mc:Fallback xmlns="">
+      <p:transition xmlns:p14="http://schemas.microsoft.com/office/powerpoint/2010/main" spd="med">
+        <p:fade/>
+      </p:transition>
+    </mc:Fallback>
+  </mc:AlternateContent>
+</p:sld>
+</file>
+
+<file path=ppt/slides/slide3.xml><?xml version="1.0" encoding="utf-8"?>
+<p:sld xmlns:a="http://schemas.openxmlformats.org/drawingml/2006/main" xmlns:r="http://schemas.openxmlformats.org/officeDocument/2006/relationships" xmlns:p="http://schemas.openxmlformats.org/presentationml/2006/main">
+  <p:cSld>
+    <p:spTree>
+      <p:nvGrpSpPr>
+        <p:cNvPr id="1" name=""/>
+        <p:cNvGrpSpPr/>
+        <p:nvPr/>
+      </p:nvGrpSpPr>
+      <p:grpSpPr>
+        <a:xfrm>
+          <a:off x="0" y="0"/>
+          <a:ext cx="0" cy="0"/>
+          <a:chOff x="0" y="0"/>
+          <a:chExt cx="0" cy="0"/>
+        </a:xfrm>
+      </p:grpSpPr>
+      <p:sp>
+        <p:nvSpPr>
+          <p:cNvPr id="6" name="Rectangle 5"/>
+          <p:cNvSpPr/>
+          <p:nvPr/>
+        </p:nvSpPr>
+        <p:spPr>
+          <a:xfrm>
+            <a:off x="-215115" y="0"/>
+            <a:ext cx="12407115" cy="6858000"/>
+          </a:xfrm>
+          <a:prstGeom prst="rect">
+            <a:avLst/>
+          </a:prstGeom>
+          <a:solidFill>
+            <a:schemeClr val="accent1">
+              <a:lumMod val="75000"/>
+            </a:schemeClr>
+          </a:solidFill>
+          <a:ln>
+            <a:noFill/>
+          </a:ln>
+        </p:spPr>
+        <p:style>
+          <a:lnRef idx="1">
+            <a:schemeClr val="accent1"/>
+          </a:lnRef>
+          <a:fillRef idx="3">
+            <a:schemeClr val="accent1"/>
+          </a:fillRef>
+          <a:effectRef idx="2">
+            <a:schemeClr val="accent1"/>
+          </a:effectRef>
+          <a:fontRef idx="minor">
+            <a:schemeClr val="lt1"/>
+          </a:fontRef>
+        </p:style>
+        <p:txBody>
+          <a:bodyPr rtlCol="0" anchor="ctr"/>
+          <a:lstStyle/>
+          <a:p>
+            <a:pPr algn="ctr"/>
+            <a:endParaRPr lang="en-US" sz="2400"/>
+          </a:p>
+        </p:txBody>
+      </p:sp>
+      <p:sp>
+        <p:nvSpPr>
+          <p:cNvPr id="24" name="Title 1"/>
+          <p:cNvSpPr>
+            <a:spLocks noGrp="1"/>
+          </p:cNvSpPr>
+          <p:nvPr>
+            <p:ph type="title"/>
+          </p:nvPr>
+        </p:nvSpPr>
+        <p:spPr>
+          <a:xfrm>
+            <a:off x="502042" y="1936377"/>
+            <a:ext cx="10972800" cy="2985246"/>
+          </a:xfrm>
+        </p:spPr>
+        <p:txBody>
+          <a:bodyPr>
+            <a:noAutofit/>
+          </a:bodyPr>
+          <a:lstStyle/>
+          <a:p>
+            <a:pPr algn="ctr" rtl="0" eaLnBrk="0" fontAlgn="base" hangingPunct="0">
+              <a:spcAft>
+                <a:spcPct val="0"/>
+              </a:spcAft>
+            </a:pPr>
+            <a:r>
+              <a:rPr lang="en-US" sz="6000" dirty="0">
+                <a:solidFill>
+                  <a:schemeClr val="bg1"/>
+                </a:solidFill>
+              </a:rPr>
+              <a:t>Market Place Demo</a:t>
+            </a:r>
+            <a:endParaRPr lang="en-US" altLang="en-US" sz="6000" b="1" dirty="0">
+              <a:solidFill>
+                <a:schemeClr val="bg1"/>
+              </a:solidFill>
+              <a:latin typeface="Calibri (Body)"/>
+            </a:endParaRPr>
+          </a:p>
+        </p:txBody>
+      </p:sp>
+    </p:spTree>
+    <p:extLst>
+      <p:ext uri="{BB962C8B-B14F-4D97-AF65-F5344CB8AC3E}">
+        <p14:creationId xmlns:p14="http://schemas.microsoft.com/office/powerpoint/2010/main" val="3956311785"/>
+      </p:ext>
+    </p:extLst>
+  </p:cSld>
+  <p:clrMapOvr>
+    <a:masterClrMapping/>
+  </p:clrMapOvr>
+  <mc:AlternateContent xmlns:mc="http://schemas.openxmlformats.org/markup-compatibility/2006" xmlns:p14="http://schemas.microsoft.com/office/powerpoint/2010/main">
+    <mc:Choice Requires="p14">
+      <p:transition spd="med" p14:dur="700">
+        <p:fade/>
+      </p:transition>
+    </mc:Choice>
+    <mc:Fallback xmlns="">
+      <p:transition xmlns:p14="http://schemas.microsoft.com/office/powerpoint/2010/main" spd="med">
+        <p:fade/>
+      </p:transition>
+    </mc:Fallback>
+  </mc:AlternateContent>
+</p:sld>
+</file>
+
+<file path=ppt/slides/slide4.xml><?xml version="1.0" encoding="utf-8"?>
+<p:sld xmlns:a="http://schemas.openxmlformats.org/drawingml/2006/main" xmlns:r="http://schemas.openxmlformats.org/officeDocument/2006/relationships" xmlns:p="http://schemas.openxmlformats.org/presentationml/2006/main">
+  <p:cSld>
+    <p:spTree>
+      <p:nvGrpSpPr>
+        <p:cNvPr id="1" name=""/>
+        <p:cNvGrpSpPr/>
+        <p:nvPr/>
+      </p:nvGrpSpPr>
+      <p:grpSpPr>
+        <a:xfrm>
+          <a:off x="0" y="0"/>
+          <a:ext cx="0" cy="0"/>
+          <a:chOff x="0" y="0"/>
+          <a:chExt cx="0" cy="0"/>
+        </a:xfrm>
+      </p:grpSpPr>
+      <p:sp>
+        <p:nvSpPr>
+          <p:cNvPr id="6" name="Rectangle 5"/>
+          <p:cNvSpPr/>
+          <p:nvPr/>
+        </p:nvSpPr>
+        <p:spPr>
+          <a:xfrm>
+            <a:off x="-215115" y="0"/>
+            <a:ext cx="12407115" cy="6858000"/>
+          </a:xfrm>
+          <a:prstGeom prst="rect">
+            <a:avLst/>
+          </a:prstGeom>
+          <a:solidFill>
+            <a:schemeClr val="accent1">
+              <a:lumMod val="75000"/>
+            </a:schemeClr>
+          </a:solidFill>
+          <a:ln>
+            <a:noFill/>
+          </a:ln>
+        </p:spPr>
+        <p:style>
+          <a:lnRef idx="1">
+            <a:schemeClr val="accent1"/>
+          </a:lnRef>
+          <a:fillRef idx="3">
+            <a:schemeClr val="accent1"/>
+          </a:fillRef>
+          <a:effectRef idx="2">
+            <a:schemeClr val="accent1"/>
+          </a:effectRef>
+          <a:fontRef idx="minor">
+            <a:schemeClr val="lt1"/>
+          </a:fontRef>
+        </p:style>
+        <p:txBody>
+          <a:bodyPr rtlCol="0" anchor="ctr"/>
+          <a:lstStyle/>
+          <a:p>
+            <a:pPr algn="ctr"/>
+            <a:endParaRPr lang="en-US" sz="2400"/>
+          </a:p>
+        </p:txBody>
+      </p:sp>
+      <p:sp>
+        <p:nvSpPr>
+          <p:cNvPr id="24" name="Title 1"/>
+          <p:cNvSpPr>
+            <a:spLocks noGrp="1"/>
+          </p:cNvSpPr>
+          <p:nvPr>
+            <p:ph type="title"/>
+          </p:nvPr>
+        </p:nvSpPr>
+        <p:spPr>
+          <a:xfrm>
+            <a:off x="502042" y="1936377"/>
+            <a:ext cx="10972800" cy="2985246"/>
+          </a:xfrm>
+        </p:spPr>
+        <p:txBody>
+          <a:bodyPr>
+            <a:noAutofit/>
+          </a:bodyPr>
+          <a:lstStyle/>
+          <a:p>
+            <a:pPr algn="ctr" rtl="0" eaLnBrk="0" fontAlgn="base" hangingPunct="0">
+              <a:spcAft>
+                <a:spcPct val="0"/>
+              </a:spcAft>
+            </a:pPr>
+            <a:r>
+              <a:rPr lang="en-US" sz="6000" dirty="0">
+                <a:solidFill>
+                  <a:schemeClr val="bg1"/>
+                </a:solidFill>
+              </a:rPr>
+              <a:t>Statistic</a:t>
+            </a:r>
+            <a:endParaRPr lang="en-US" altLang="en-US" sz="6000" b="1" dirty="0">
+              <a:solidFill>
+                <a:schemeClr val="bg1"/>
+              </a:solidFill>
+              <a:latin typeface="Calibri (Body)"/>
+            </a:endParaRPr>
+          </a:p>
+        </p:txBody>
+      </p:sp>
+    </p:spTree>
+    <p:extLst>
+      <p:ext uri="{BB962C8B-B14F-4D97-AF65-F5344CB8AC3E}">
+        <p14:creationId xmlns:p14="http://schemas.microsoft.com/office/powerpoint/2010/main" val="4119314035"/>
+      </p:ext>
+    </p:extLst>
+  </p:cSld>
+  <p:clrMapOvr>
+    <a:masterClrMapping/>
+  </p:clrMapOvr>
+  <mc:AlternateContent xmlns:mc="http://schemas.openxmlformats.org/markup-compatibility/2006" xmlns:p14="http://schemas.microsoft.com/office/powerpoint/2010/main">
+    <mc:Choice Requires="p14">
+      <p:transition spd="med" p14:dur="700">
+        <p:fade/>
+      </p:transition>
+    </mc:Choice>
+    <mc:Fallback xmlns="">
+      <p:transition xmlns:p14="http://schemas.microsoft.com/office/powerpoint/2010/main" spd="med">
+        <p:fade/>
+      </p:transition>
+    </mc:Fallback>
+  </mc:AlternateContent>
+</p:sld>
+</file>
+
+<file path=ppt/slides/slide5.xml><?xml version="1.0" encoding="utf-8"?>
+<p:sld xmlns:a="http://schemas.openxmlformats.org/drawingml/2006/main" xmlns:r="http://schemas.openxmlformats.org/officeDocument/2006/relationships" xmlns:p="http://schemas.openxmlformats.org/presentationml/2006/main">
+  <p:cSld>
+    <p:spTree>
+      <p:nvGrpSpPr>
+        <p:cNvPr id="1" name=""/>
+        <p:cNvGrpSpPr/>
+        <p:nvPr/>
+      </p:nvGrpSpPr>
+      <p:grpSpPr>
+        <a:xfrm>
+          <a:off x="0" y="0"/>
+          <a:ext cx="0" cy="0"/>
+          <a:chOff x="0" y="0"/>
+          <a:chExt cx="0" cy="0"/>
+        </a:xfrm>
+      </p:grpSpPr>
+      <p:sp>
+        <p:nvSpPr>
+          <p:cNvPr id="6" name="Rectangle 5"/>
+          <p:cNvSpPr/>
+          <p:nvPr/>
+        </p:nvSpPr>
+        <p:spPr>
+          <a:xfrm>
+            <a:off x="-215115" y="0"/>
+            <a:ext cx="12407115" cy="6858000"/>
+          </a:xfrm>
+          <a:prstGeom prst="rect">
+            <a:avLst/>
+          </a:prstGeom>
+          <a:solidFill>
+            <a:schemeClr val="accent1">
+              <a:lumMod val="75000"/>
+            </a:schemeClr>
+          </a:solidFill>
+          <a:ln>
+            <a:noFill/>
+          </a:ln>
+        </p:spPr>
+        <p:style>
+          <a:lnRef idx="1">
+            <a:schemeClr val="accent1"/>
+          </a:lnRef>
+          <a:fillRef idx="3">
+            <a:schemeClr val="accent1"/>
+          </a:fillRef>
+          <a:effectRef idx="2">
+            <a:schemeClr val="accent1"/>
+          </a:effectRef>
+          <a:fontRef idx="minor">
+            <a:schemeClr val="lt1"/>
+          </a:fontRef>
+        </p:style>
+        <p:txBody>
+          <a:bodyPr rtlCol="0" anchor="ctr"/>
+          <a:lstStyle/>
+          <a:p>
+            <a:pPr algn="ctr"/>
+            <a:endParaRPr lang="en-US" sz="2400"/>
+          </a:p>
+        </p:txBody>
+      </p:sp>
+      <p:sp>
+        <p:nvSpPr>
+          <p:cNvPr id="24" name="Title 1"/>
+          <p:cNvSpPr>
+            <a:spLocks noGrp="1"/>
+          </p:cNvSpPr>
+          <p:nvPr>
+            <p:ph type="title"/>
+          </p:nvPr>
+        </p:nvSpPr>
+        <p:spPr>
+          <a:xfrm>
+            <a:off x="502042" y="1936377"/>
+            <a:ext cx="10972800" cy="2985246"/>
+          </a:xfrm>
+        </p:spPr>
+        <p:txBody>
+          <a:bodyPr>
+            <a:noAutofit/>
+          </a:bodyPr>
+          <a:lstStyle/>
+          <a:p>
+            <a:pPr algn="ctr" rtl="0" eaLnBrk="0" fontAlgn="base" hangingPunct="0">
+              <a:spcAft>
+                <a:spcPct val="0"/>
+              </a:spcAft>
+            </a:pPr>
+            <a:r>
+              <a:rPr lang="en-US" sz="6000" dirty="0">
+                <a:solidFill>
+                  <a:schemeClr val="bg1"/>
+                </a:solidFill>
+              </a:rPr>
+              <a:t>“Desktop First” or “Mobile First”?</a:t>
+            </a:r>
+            <a:endParaRPr lang="en-US" altLang="en-US" sz="6000" b="1" dirty="0">
+              <a:solidFill>
+                <a:schemeClr val="bg1"/>
+              </a:solidFill>
+              <a:latin typeface="Calibri (Body)"/>
+            </a:endParaRPr>
+          </a:p>
+        </p:txBody>
+      </p:sp>
+    </p:spTree>
+    <p:extLst>
+      <p:ext uri="{BB962C8B-B14F-4D97-AF65-F5344CB8AC3E}">
+        <p14:creationId xmlns:p14="http://schemas.microsoft.com/office/powerpoint/2010/main" val="2946623037"/>
+      </p:ext>
+    </p:extLst>
+  </p:cSld>
+  <p:clrMapOvr>
+    <a:masterClrMapping/>
+  </p:clrMapOvr>
+  <mc:AlternateContent xmlns:mc="http://schemas.openxmlformats.org/markup-compatibility/2006" xmlns:p14="http://schemas.microsoft.com/office/powerpoint/2010/main">
+    <mc:Choice Requires="p14">
+      <p:transition spd="med" p14:dur="700">
+        <p:fade/>
+      </p:transition>
+    </mc:Choice>
+    <mc:Fallback xmlns="">
+      <p:transition xmlns:p14="http://schemas.microsoft.com/office/powerpoint/2010/main" spd="med">
+        <p:fade/>
+      </p:transition>
+    </mc:Fallback>
+  </mc:AlternateContent>
+</p:sld>
+</file>
+
+<file path=ppt/slides/slide6.xml><?xml version="1.0" encoding="utf-8"?>
+<p:sld xmlns:a="http://schemas.openxmlformats.org/drawingml/2006/main" xmlns:r="http://schemas.openxmlformats.org/officeDocument/2006/relationships" xmlns:p="http://schemas.openxmlformats.org/presentationml/2006/main">
+  <p:cSld>
+    <p:spTree>
+      <p:nvGrpSpPr>
+        <p:cNvPr id="1" name=""/>
+        <p:cNvGrpSpPr/>
+        <p:nvPr/>
+      </p:nvGrpSpPr>
+      <p:grpSpPr>
+        <a:xfrm>
+          <a:off x="0" y="0"/>
+          <a:ext cx="0" cy="0"/>
+          <a:chOff x="0" y="0"/>
+          <a:chExt cx="0" cy="0"/>
+        </a:xfrm>
+      </p:grpSpPr>
+      <p:sp>
+        <p:nvSpPr>
+          <p:cNvPr id="6" name="Rectangle 5"/>
+          <p:cNvSpPr/>
+          <p:nvPr/>
+        </p:nvSpPr>
+        <p:spPr>
+          <a:xfrm>
+            <a:off x="-215115" y="0"/>
+            <a:ext cx="12407115" cy="6858000"/>
+          </a:xfrm>
+          <a:prstGeom prst="rect">
+            <a:avLst/>
+          </a:prstGeom>
+          <a:solidFill>
+            <a:schemeClr val="accent1">
+              <a:lumMod val="75000"/>
+            </a:schemeClr>
+          </a:solidFill>
+          <a:ln>
+            <a:noFill/>
+          </a:ln>
+        </p:spPr>
+        <p:style>
+          <a:lnRef idx="1">
+            <a:schemeClr val="accent1"/>
+          </a:lnRef>
+          <a:fillRef idx="3">
+            <a:schemeClr val="accent1"/>
+          </a:fillRef>
+          <a:effectRef idx="2">
+            <a:schemeClr val="accent1"/>
+          </a:effectRef>
+          <a:fontRef idx="minor">
+            <a:schemeClr val="lt1"/>
+          </a:fontRef>
+        </p:style>
+        <p:txBody>
+          <a:bodyPr rtlCol="0" anchor="ctr"/>
+          <a:lstStyle/>
+          <a:p>
+            <a:pPr algn="ctr"/>
+            <a:endParaRPr lang="en-US" sz="2400"/>
+          </a:p>
+        </p:txBody>
+      </p:sp>
+      <p:sp>
+        <p:nvSpPr>
+          <p:cNvPr id="24" name="Title 1"/>
+          <p:cNvSpPr>
+            <a:spLocks noGrp="1"/>
+          </p:cNvSpPr>
+          <p:nvPr>
+            <p:ph type="title"/>
+          </p:nvPr>
+        </p:nvSpPr>
+        <p:spPr>
+          <a:xfrm>
+            <a:off x="502042" y="1936377"/>
+            <a:ext cx="10972800" cy="2985246"/>
+          </a:xfrm>
+        </p:spPr>
+        <p:txBody>
+          <a:bodyPr>
+            <a:noAutofit/>
+          </a:bodyPr>
+          <a:lstStyle/>
+          <a:p>
+            <a:pPr algn="ctr" rtl="0" eaLnBrk="0" fontAlgn="base" hangingPunct="0">
+              <a:spcAft>
+                <a:spcPct val="0"/>
+              </a:spcAft>
+            </a:pPr>
+            <a:r>
+              <a:rPr lang="en-US" sz="6000" dirty="0">
+                <a:solidFill>
+                  <a:schemeClr val="bg1"/>
+                </a:solidFill>
+              </a:rPr>
+              <a:t>View Port</a:t>
+            </a:r>
+            <a:endParaRPr lang="en-US" altLang="en-US" sz="6000" b="1" dirty="0">
+              <a:solidFill>
+                <a:schemeClr val="bg1"/>
+              </a:solidFill>
+              <a:latin typeface="Calibri (Body)"/>
+            </a:endParaRPr>
+          </a:p>
+        </p:txBody>
+      </p:sp>
+    </p:spTree>
+    <p:extLst>
+      <p:ext uri="{BB962C8B-B14F-4D97-AF65-F5344CB8AC3E}">
+        <p14:creationId xmlns:p14="http://schemas.microsoft.com/office/powerpoint/2010/main" val="2627621415"/>
+      </p:ext>
+    </p:extLst>
+  </p:cSld>
+  <p:clrMapOvr>
+    <a:masterClrMapping/>
+  </p:clrMapOvr>
+  <mc:AlternateContent xmlns:mc="http://schemas.openxmlformats.org/markup-compatibility/2006" xmlns:p14="http://schemas.microsoft.com/office/powerpoint/2010/main">
+    <mc:Choice Requires="p14">
+      <p:transition spd="med" p14:dur="700">
+        <p:fade/>
+      </p:transition>
+    </mc:Choice>
+    <mc:Fallback xmlns="">
+      <p:transition xmlns:p14="http://schemas.microsoft.com/office/powerpoint/2010/main" spd="med">
+        <p:fade/>
+      </p:transition>
+    </mc:Fallback>
+  </mc:AlternateContent>
+</p:sld>
+</file>
+
+<file path=ppt/slides/slide7.xml><?xml version="1.0" encoding="utf-8"?>
+<p:sld xmlns:a="http://schemas.openxmlformats.org/drawingml/2006/main" xmlns:r="http://schemas.openxmlformats.org/officeDocument/2006/relationships" xmlns:p="http://schemas.openxmlformats.org/presentationml/2006/main">
+  <p:cSld>
+    <p:spTree>
+      <p:nvGrpSpPr>
+        <p:cNvPr id="1" name=""/>
+        <p:cNvGrpSpPr/>
+        <p:nvPr/>
+      </p:nvGrpSpPr>
+      <p:grpSpPr>
+        <a:xfrm>
+          <a:off x="0" y="0"/>
+          <a:ext cx="0" cy="0"/>
+          <a:chOff x="0" y="0"/>
+          <a:chExt cx="0" cy="0"/>
+        </a:xfrm>
+      </p:grpSpPr>
+      <p:sp>
+        <p:nvSpPr>
+          <p:cNvPr id="6" name="Rectangle 5"/>
+          <p:cNvSpPr/>
+          <p:nvPr/>
+        </p:nvSpPr>
+        <p:spPr>
+          <a:xfrm>
+            <a:off x="-215115" y="0"/>
+            <a:ext cx="12407115" cy="6858000"/>
+          </a:xfrm>
+          <a:prstGeom prst="rect">
+            <a:avLst/>
+          </a:prstGeom>
+          <a:solidFill>
+            <a:schemeClr val="accent1">
+              <a:lumMod val="75000"/>
+            </a:schemeClr>
+          </a:solidFill>
+          <a:ln>
+            <a:noFill/>
+          </a:ln>
+        </p:spPr>
+        <p:style>
+          <a:lnRef idx="1">
+            <a:schemeClr val="accent1"/>
+          </a:lnRef>
+          <a:fillRef idx="3">
+            <a:schemeClr val="accent1"/>
+          </a:fillRef>
+          <a:effectRef idx="2">
+            <a:schemeClr val="accent1"/>
+          </a:effectRef>
+          <a:fontRef idx="minor">
+            <a:schemeClr val="lt1"/>
+          </a:fontRef>
+        </p:style>
+        <p:txBody>
+          <a:bodyPr rtlCol="0" anchor="ctr"/>
+          <a:lstStyle/>
+          <a:p>
+            <a:pPr algn="ctr"/>
+            <a:endParaRPr lang="en-US" sz="2400"/>
+          </a:p>
+        </p:txBody>
+      </p:sp>
+      <p:sp>
+        <p:nvSpPr>
+          <p:cNvPr id="24" name="Title 1"/>
+          <p:cNvSpPr>
+            <a:spLocks noGrp="1"/>
+          </p:cNvSpPr>
+          <p:nvPr>
+            <p:ph type="title"/>
+          </p:nvPr>
+        </p:nvSpPr>
+        <p:spPr>
+          <a:xfrm>
+            <a:off x="502042" y="1936377"/>
+            <a:ext cx="10972800" cy="2985246"/>
+          </a:xfrm>
+        </p:spPr>
+        <p:txBody>
+          <a:bodyPr>
+            <a:noAutofit/>
+          </a:bodyPr>
+          <a:lstStyle/>
+          <a:p>
+            <a:pPr algn="ctr" rtl="0" eaLnBrk="0" fontAlgn="base" hangingPunct="0">
+              <a:spcAft>
+                <a:spcPct val="0"/>
+              </a:spcAft>
+            </a:pPr>
+            <a:r>
+              <a:rPr lang="en-US" sz="6000" dirty="0">
+                <a:solidFill>
+                  <a:schemeClr val="bg1"/>
+                </a:solidFill>
+              </a:rPr>
+              <a:t>Media Query</a:t>
+            </a:r>
+            <a:endParaRPr lang="en-US" altLang="en-US" sz="6000" b="1" dirty="0">
+              <a:solidFill>
+                <a:schemeClr val="bg1"/>
+              </a:solidFill>
+              <a:latin typeface="Calibri (Body)"/>
+            </a:endParaRPr>
+          </a:p>
+        </p:txBody>
+      </p:sp>
+    </p:spTree>
+    <p:extLst>
+      <p:ext uri="{BB962C8B-B14F-4D97-AF65-F5344CB8AC3E}">
+        <p14:creationId xmlns:p14="http://schemas.microsoft.com/office/powerpoint/2010/main" val="4066922421"/>
+      </p:ext>
+    </p:extLst>
+  </p:cSld>
+  <p:clrMapOvr>
+    <a:masterClrMapping/>
+  </p:clrMapOvr>
+  <mc:AlternateContent xmlns:mc="http://schemas.openxmlformats.org/markup-compatibility/2006" xmlns:p14="http://schemas.microsoft.com/office/powerpoint/2010/main">
+    <mc:Choice Requires="p14">
+      <p:transition spd="med" p14:dur="700">
+        <p:fade/>
+      </p:transition>
+    </mc:Choice>
+    <mc:Fallback xmlns="">
+      <p:transition xmlns:p14="http://schemas.microsoft.com/office/powerpoint/2010/main" spd="med">
+        <p:fade/>
+      </p:transition>
+    </mc:Fallback>
+  </mc:AlternateContent>
+</p:sld>
+</file>
+
+<file path=ppt/slides/slide8.xml><?xml version="1.0" encoding="utf-8"?>
+<p:sld xmlns:a="http://schemas.openxmlformats.org/drawingml/2006/main" xmlns:r="http://schemas.openxmlformats.org/officeDocument/2006/relationships" xmlns:p="http://schemas.openxmlformats.org/presentationml/2006/main">
+  <p:cSld>
+    <p:spTree>
+      <p:nvGrpSpPr>
+        <p:cNvPr id="1" name=""/>
+        <p:cNvGrpSpPr/>
+        <p:nvPr/>
+      </p:nvGrpSpPr>
+      <p:grpSpPr>
+        <a:xfrm>
+          <a:off x="0" y="0"/>
+          <a:ext cx="0" cy="0"/>
+          <a:chOff x="0" y="0"/>
+          <a:chExt cx="0" cy="0"/>
+        </a:xfrm>
+      </p:grpSpPr>
+      <p:sp>
+        <p:nvSpPr>
+          <p:cNvPr id="6" name="Rectangle 5"/>
+          <p:cNvSpPr/>
+          <p:nvPr/>
+        </p:nvSpPr>
+        <p:spPr>
+          <a:xfrm>
+            <a:off x="-215115" y="0"/>
+            <a:ext cx="12407115" cy="6858000"/>
+          </a:xfrm>
+          <a:prstGeom prst="rect">
+            <a:avLst/>
+          </a:prstGeom>
+          <a:solidFill>
+            <a:schemeClr val="accent1">
+              <a:lumMod val="75000"/>
+            </a:schemeClr>
+          </a:solidFill>
+          <a:ln>
+            <a:noFill/>
+          </a:ln>
+        </p:spPr>
+        <p:style>
+          <a:lnRef idx="1">
+            <a:schemeClr val="accent1"/>
+          </a:lnRef>
+          <a:fillRef idx="3">
+            <a:schemeClr val="accent1"/>
+          </a:fillRef>
+          <a:effectRef idx="2">
+            <a:schemeClr val="accent1"/>
+          </a:effectRef>
+          <a:fontRef idx="minor">
+            <a:schemeClr val="lt1"/>
+          </a:fontRef>
+        </p:style>
+        <p:txBody>
+          <a:bodyPr rtlCol="0" anchor="ctr"/>
+          <a:lstStyle/>
+          <a:p>
+            <a:pPr algn="ctr"/>
+            <a:endParaRPr lang="en-US" sz="2400"/>
+          </a:p>
+        </p:txBody>
+      </p:sp>
+      <p:sp>
+        <p:nvSpPr>
+          <p:cNvPr id="24" name="Title 1"/>
+          <p:cNvSpPr>
+            <a:spLocks noGrp="1"/>
+          </p:cNvSpPr>
+          <p:nvPr>
+            <p:ph type="title"/>
+          </p:nvPr>
+        </p:nvSpPr>
+        <p:spPr>
+          <a:xfrm>
+            <a:off x="502042" y="1936377"/>
+            <a:ext cx="10972800" cy="2985246"/>
+          </a:xfrm>
+        </p:spPr>
+        <p:txBody>
+          <a:bodyPr>
+            <a:noAutofit/>
+          </a:bodyPr>
+          <a:lstStyle/>
+          <a:p>
+            <a:pPr algn="ctr" rtl="0" eaLnBrk="0" fontAlgn="base" hangingPunct="0">
+              <a:spcAft>
+                <a:spcPct val="0"/>
+              </a:spcAft>
+            </a:pPr>
+            <a:r>
+              <a:rPr lang="en-US" sz="6000" dirty="0">
+                <a:solidFill>
+                  <a:schemeClr val="bg1"/>
+                </a:solidFill>
+              </a:rPr>
+              <a:t>Where to put Media</a:t>
+            </a:r>
+            <a:endParaRPr lang="en-US" altLang="en-US" sz="6000" b="1" dirty="0">
+              <a:solidFill>
+                <a:schemeClr val="bg1"/>
+              </a:solidFill>
+              <a:latin typeface="Calibri (Body)"/>
+            </a:endParaRPr>
+          </a:p>
+        </p:txBody>
+      </p:sp>
+    </p:spTree>
+    <p:extLst>
+      <p:ext uri="{BB962C8B-B14F-4D97-AF65-F5344CB8AC3E}">
+        <p14:creationId xmlns:p14="http://schemas.microsoft.com/office/powerpoint/2010/main" val="2690200642"/>
+      </p:ext>
+    </p:extLst>
+  </p:cSld>
+  <p:clrMapOvr>
+    <a:masterClrMapping/>
+  </p:clrMapOvr>
+  <mc:AlternateContent xmlns:mc="http://schemas.openxmlformats.org/markup-compatibility/2006" xmlns:p14="http://schemas.microsoft.com/office/powerpoint/2010/main">
+    <mc:Choice Requires="p14">
+      <p:transition spd="med" p14:dur="700">
+        <p:fade/>
+      </p:transition>
+    </mc:Choice>
+    <mc:Fallback xmlns="">
+      <p:transition xmlns:p14="http://schemas.microsoft.com/office/powerpoint/2010/main" spd="med">
+        <p:fade/>
+      </p:transition>
+    </mc:Fallback>
+  </mc:AlternateContent>
+</p:sld>
+</file>
+
+<file path=ppt/slides/slide9.xml><?xml version="1.0" encoding="utf-8"?>
+<p:sld xmlns:a="http://schemas.openxmlformats.org/drawingml/2006/main" xmlns:r="http://schemas.openxmlformats.org/officeDocument/2006/relationships" xmlns:p="http://schemas.openxmlformats.org/presentationml/2006/main">
+  <p:cSld>
+    <p:spTree>
+      <p:nvGrpSpPr>
+        <p:cNvPr id="1" name=""/>
+        <p:cNvGrpSpPr/>
+        <p:nvPr/>
+      </p:nvGrpSpPr>
+      <p:grpSpPr>
+        <a:xfrm>
+          <a:off x="0" y="0"/>
+          <a:ext cx="0" cy="0"/>
+          <a:chOff x="0" y="0"/>
+          <a:chExt cx="0" cy="0"/>
+        </a:xfrm>
+      </p:grpSpPr>
+      <p:sp>
+        <p:nvSpPr>
+          <p:cNvPr id="6" name="Rectangle 5"/>
+          <p:cNvSpPr/>
+          <p:nvPr/>
+        </p:nvSpPr>
+        <p:spPr>
+          <a:xfrm>
+            <a:off x="-215115" y="0"/>
+            <a:ext cx="12407115" cy="6858000"/>
+          </a:xfrm>
+          <a:prstGeom prst="rect">
+            <a:avLst/>
+          </a:prstGeom>
+          <a:solidFill>
+            <a:schemeClr val="accent1">
+              <a:lumMod val="75000"/>
+            </a:schemeClr>
+          </a:solidFill>
+          <a:ln>
+            <a:noFill/>
+          </a:ln>
+        </p:spPr>
+        <p:style>
+          <a:lnRef idx="1">
+            <a:schemeClr val="accent1"/>
+          </a:lnRef>
+          <a:fillRef idx="3">
+            <a:schemeClr val="accent1"/>
+          </a:fillRef>
+          <a:effectRef idx="2">
+            <a:schemeClr val="accent1"/>
+          </a:effectRef>
+          <a:fontRef idx="minor">
+            <a:schemeClr val="lt1"/>
+          </a:fontRef>
+        </p:style>
+        <p:txBody>
+          <a:bodyPr rtlCol="0" anchor="ctr"/>
+          <a:lstStyle/>
+          <a:p>
+            <a:pPr algn="ctr"/>
+            <a:endParaRPr lang="en-US" sz="2400"/>
+          </a:p>
+        </p:txBody>
+      </p:sp>
+      <p:sp>
+        <p:nvSpPr>
+          <p:cNvPr id="24" name="Title 1"/>
+          <p:cNvSpPr>
+            <a:spLocks noGrp="1"/>
+          </p:cNvSpPr>
+          <p:nvPr>
+            <p:ph type="title"/>
+          </p:nvPr>
+        </p:nvSpPr>
+        <p:spPr>
+          <a:xfrm>
+            <a:off x="502042" y="1936377"/>
+            <a:ext cx="10972800" cy="2985246"/>
+          </a:xfrm>
+        </p:spPr>
+        <p:txBody>
+          <a:bodyPr>
+            <a:noAutofit/>
+          </a:bodyPr>
+          <a:lstStyle/>
+          <a:p>
+            <a:pPr algn="ctr" rtl="0" eaLnBrk="0" fontAlgn="base" hangingPunct="0">
+              <a:spcAft>
+                <a:spcPct val="0"/>
+              </a:spcAft>
+            </a:pPr>
+            <a:r>
+              <a:rPr lang="en-US" sz="6000" dirty="0">
+                <a:solidFill>
+                  <a:schemeClr val="bg1"/>
+                </a:solidFill>
+              </a:rPr>
+              <a:t>What is the problem</a:t>
+            </a:r>
+            <a:endParaRPr lang="en-US" altLang="en-US" sz="6000" b="1" dirty="0">
+              <a:solidFill>
+                <a:schemeClr val="bg1"/>
+              </a:solidFill>
+              <a:latin typeface="Calibri (Body)"/>
+            </a:endParaRPr>
+          </a:p>
+        </p:txBody>
+      </p:sp>
+    </p:spTree>
+    <p:extLst>
+      <p:ext uri="{BB962C8B-B14F-4D97-AF65-F5344CB8AC3E}">
+        <p14:creationId xmlns:p14="http://schemas.microsoft.com/office/powerpoint/2010/main" val="2515105520"/>
       </p:ext>
     </p:extLst>
   </p:cSld>

--- a/presentations/chapter-6/Practical Web Dev.pptx
+++ b/presentations/chapter-6/Practical Web Dev.pptx
@@ -5,7 +5,7 @@
     <p:sldMasterId id="2147483648" r:id="rId1"/>
   </p:sldMasterIdLst>
   <p:notesMasterIdLst>
-    <p:notesMasterId r:id="rId13"/>
+    <p:notesMasterId r:id="rId14"/>
   </p:notesMasterIdLst>
   <p:sldIdLst>
     <p:sldId id="408" r:id="rId2"/>
@@ -19,6 +19,7 @@
     <p:sldId id="416" r:id="rId10"/>
     <p:sldId id="417" r:id="rId11"/>
     <p:sldId id="418" r:id="rId12"/>
+    <p:sldId id="419" r:id="rId13"/>
   </p:sldIdLst>
   <p:sldSz cx="12192000" cy="6858000"/>
   <p:notesSz cx="6858000" cy="9144000"/>
@@ -136,6 +137,7 @@
             <p14:sldId id="416"/>
             <p14:sldId id="417"/>
             <p14:sldId id="418"/>
+            <p14:sldId id="419"/>
           </p14:sldIdLst>
         </p14:section>
       </p14:sectionLst>
@@ -240,7 +242,7 @@
           <a:p>
             <a:fld id="{B53C1D94-E0DD-4250-8C1B-3D8C3DA9B2B6}" type="datetimeFigureOut">
               <a:rPr lang="he-IL" smtClean="0"/>
-              <a:t>י"ח/תמוז/תשע"ט</a:t>
+              <a:t>כ"א/תמוז/תשע"ט</a:t>
             </a:fld>
             <a:endParaRPr lang="he-IL"/>
           </a:p>
@@ -1475,6 +1477,130 @@
 </p:notes>
 </file>
 
+<file path=ppt/notesSlides/notesSlide12.xml><?xml version="1.0" encoding="utf-8"?>
+<p:notes xmlns:a="http://schemas.openxmlformats.org/drawingml/2006/main" xmlns:r="http://schemas.openxmlformats.org/officeDocument/2006/relationships" xmlns:p="http://schemas.openxmlformats.org/presentationml/2006/main">
+  <p:cSld>
+    <p:spTree>
+      <p:nvGrpSpPr>
+        <p:cNvPr id="1" name=""/>
+        <p:cNvGrpSpPr/>
+        <p:nvPr/>
+      </p:nvGrpSpPr>
+      <p:grpSpPr>
+        <a:xfrm>
+          <a:off x="0" y="0"/>
+          <a:ext cx="0" cy="0"/>
+          <a:chOff x="0" y="0"/>
+          <a:chExt cx="0" cy="0"/>
+        </a:xfrm>
+      </p:grpSpPr>
+      <p:sp>
+        <p:nvSpPr>
+          <p:cNvPr id="2" name="Slide Image Placeholder 1"/>
+          <p:cNvSpPr>
+            <a:spLocks noGrp="1" noRot="1" noChangeAspect="1"/>
+          </p:cNvSpPr>
+          <p:nvPr>
+            <p:ph type="sldImg"/>
+          </p:nvPr>
+        </p:nvSpPr>
+        <p:spPr/>
+      </p:sp>
+      <p:sp>
+        <p:nvSpPr>
+          <p:cNvPr id="3" name="Notes Placeholder 2"/>
+          <p:cNvSpPr>
+            <a:spLocks noGrp="1"/>
+          </p:cNvSpPr>
+          <p:nvPr>
+            <p:ph type="body" idx="1"/>
+          </p:nvPr>
+        </p:nvSpPr>
+        <p:spPr/>
+        <p:txBody>
+          <a:bodyPr/>
+          <a:lstStyle/>
+          <a:p>
+            <a:pPr marL="0" marR="0" lvl="0" indent="0" algn="l" defTabSz="914400" rtl="0" eaLnBrk="1" fontAlgn="auto" latinLnBrk="0" hangingPunct="1">
+              <a:lnSpc>
+                <a:spcPct val="100000"/>
+              </a:lnSpc>
+              <a:spcBef>
+                <a:spcPts val="0"/>
+              </a:spcBef>
+              <a:spcAft>
+                <a:spcPts val="0"/>
+              </a:spcAft>
+              <a:buClrTx/>
+              <a:buSzTx/>
+              <a:buFontTx/>
+              <a:buNone/>
+              <a:tabLst/>
+              <a:defRPr/>
+            </a:pPr>
+            <a:r>
+              <a:rPr lang="en-US" b="0" dirty="0"/>
+              <a:t>Responsive hands-on</a:t>
+            </a:r>
+          </a:p>
+          <a:p>
+            <a:pPr marL="0" marR="0" lvl="0" indent="0" algn="l" defTabSz="914400" rtl="0" eaLnBrk="1" fontAlgn="auto" latinLnBrk="0" hangingPunct="1">
+              <a:lnSpc>
+                <a:spcPct val="100000"/>
+              </a:lnSpc>
+              <a:spcBef>
+                <a:spcPts val="0"/>
+              </a:spcBef>
+              <a:spcAft>
+                <a:spcPts val="0"/>
+              </a:spcAft>
+              <a:buClrTx/>
+              <a:buSzTx/>
+              <a:buFontTx/>
+              <a:buNone/>
+              <a:tabLst/>
+              <a:defRPr/>
+            </a:pPr>
+            <a:endParaRPr lang="en-US" b="0" dirty="0"/>
+          </a:p>
+        </p:txBody>
+      </p:sp>
+      <p:sp>
+        <p:nvSpPr>
+          <p:cNvPr id="4" name="Slide Number Placeholder 3"/>
+          <p:cNvSpPr>
+            <a:spLocks noGrp="1"/>
+          </p:cNvSpPr>
+          <p:nvPr>
+            <p:ph type="sldNum" sz="quarter" idx="10"/>
+          </p:nvPr>
+        </p:nvSpPr>
+        <p:spPr/>
+        <p:txBody>
+          <a:bodyPr/>
+          <a:lstStyle/>
+          <a:p>
+            <a:fld id="{595D0871-5AD0-4670-BDA8-FBE649F625DD}" type="slidenum">
+              <a:rPr lang="he-IL" smtClean="0"/>
+              <a:t>12</a:t>
+            </a:fld>
+            <a:endParaRPr lang="he-IL"/>
+          </a:p>
+        </p:txBody>
+      </p:sp>
+    </p:spTree>
+    <p:extLst>
+      <p:ext uri="{BB962C8B-B14F-4D97-AF65-F5344CB8AC3E}">
+        <p14:creationId xmlns:p14="http://schemas.microsoft.com/office/powerpoint/2010/main" val="2337105796"/>
+      </p:ext>
+    </p:extLst>
+  </p:cSld>
+  <p:clrMapOvr>
+    <a:masterClrMapping/>
+  </p:clrMapOvr>
+</p:notes>
+</file>
+
 <file path=ppt/notesSlides/notesSlide2.xml><?xml version="1.0" encoding="utf-8"?>
 <p:notes xmlns:a="http://schemas.openxmlformats.org/drawingml/2006/main" xmlns:r="http://schemas.openxmlformats.org/officeDocument/2006/relationships" xmlns:p="http://schemas.openxmlformats.org/presentationml/2006/main">
   <p:cSld>
@@ -4142,7 +4268,7 @@
           <a:p>
             <a:fld id="{F472E424-CC75-4448-A1B5-6FCA6BFEE599}" type="datetimeFigureOut">
               <a:rPr lang="he-IL" smtClean="0"/>
-              <a:t>י"ח/תמוז/תשע"ט</a:t>
+              <a:t>כ"א/תמוז/תשע"ט</a:t>
             </a:fld>
             <a:endParaRPr lang="he-IL"/>
           </a:p>
@@ -4310,7 +4436,7 @@
           <a:p>
             <a:fld id="{F472E424-CC75-4448-A1B5-6FCA6BFEE599}" type="datetimeFigureOut">
               <a:rPr lang="he-IL" smtClean="0"/>
-              <a:t>י"ח/תמוז/תשע"ט</a:t>
+              <a:t>כ"א/תמוז/תשע"ט</a:t>
             </a:fld>
             <a:endParaRPr lang="he-IL"/>
           </a:p>
@@ -4488,7 +4614,7 @@
           <a:p>
             <a:fld id="{F472E424-CC75-4448-A1B5-6FCA6BFEE599}" type="datetimeFigureOut">
               <a:rPr lang="he-IL" smtClean="0"/>
-              <a:t>י"ח/תמוז/תשע"ט</a:t>
+              <a:t>כ"א/תמוז/תשע"ט</a:t>
             </a:fld>
             <a:endParaRPr lang="he-IL"/>
           </a:p>
@@ -4656,7 +4782,7 @@
           <a:p>
             <a:fld id="{F472E424-CC75-4448-A1B5-6FCA6BFEE599}" type="datetimeFigureOut">
               <a:rPr lang="he-IL" smtClean="0"/>
-              <a:t>י"ח/תמוז/תשע"ט</a:t>
+              <a:t>כ"א/תמוז/תשע"ט</a:t>
             </a:fld>
             <a:endParaRPr lang="he-IL"/>
           </a:p>
@@ -4901,7 +5027,7 @@
           <a:p>
             <a:fld id="{F472E424-CC75-4448-A1B5-6FCA6BFEE599}" type="datetimeFigureOut">
               <a:rPr lang="he-IL" smtClean="0"/>
-              <a:t>י"ח/תמוז/תשע"ט</a:t>
+              <a:t>כ"א/תמוז/תשע"ט</a:t>
             </a:fld>
             <a:endParaRPr lang="he-IL"/>
           </a:p>
@@ -5130,7 +5256,7 @@
           <a:p>
             <a:fld id="{F472E424-CC75-4448-A1B5-6FCA6BFEE599}" type="datetimeFigureOut">
               <a:rPr lang="he-IL" smtClean="0"/>
-              <a:t>י"ח/תמוז/תשע"ט</a:t>
+              <a:t>כ"א/תמוז/תשע"ט</a:t>
             </a:fld>
             <a:endParaRPr lang="he-IL"/>
           </a:p>
@@ -5494,7 +5620,7 @@
           <a:p>
             <a:fld id="{F472E424-CC75-4448-A1B5-6FCA6BFEE599}" type="datetimeFigureOut">
               <a:rPr lang="he-IL" smtClean="0"/>
-              <a:t>י"ח/תמוז/תשע"ט</a:t>
+              <a:t>כ"א/תמוז/תשע"ט</a:t>
             </a:fld>
             <a:endParaRPr lang="he-IL"/>
           </a:p>
@@ -5611,7 +5737,7 @@
           <a:p>
             <a:fld id="{F472E424-CC75-4448-A1B5-6FCA6BFEE599}" type="datetimeFigureOut">
               <a:rPr lang="he-IL" smtClean="0"/>
-              <a:t>י"ח/תמוז/תשע"ט</a:t>
+              <a:t>כ"א/תמוז/תשע"ט</a:t>
             </a:fld>
             <a:endParaRPr lang="he-IL"/>
           </a:p>
@@ -5706,7 +5832,7 @@
           <a:p>
             <a:fld id="{F472E424-CC75-4448-A1B5-6FCA6BFEE599}" type="datetimeFigureOut">
               <a:rPr lang="he-IL" smtClean="0"/>
-              <a:t>י"ח/תמוז/תשע"ט</a:t>
+              <a:t>כ"א/תמוז/תשע"ט</a:t>
             </a:fld>
             <a:endParaRPr lang="he-IL"/>
           </a:p>
@@ -5981,7 +6107,7 @@
           <a:p>
             <a:fld id="{F472E424-CC75-4448-A1B5-6FCA6BFEE599}" type="datetimeFigureOut">
               <a:rPr lang="he-IL" smtClean="0"/>
-              <a:t>י"ח/תמוז/תשע"ט</a:t>
+              <a:t>כ"א/תמוז/תשע"ט</a:t>
             </a:fld>
             <a:endParaRPr lang="he-IL"/>
           </a:p>
@@ -6233,7 +6359,7 @@
           <a:p>
             <a:fld id="{F472E424-CC75-4448-A1B5-6FCA6BFEE599}" type="datetimeFigureOut">
               <a:rPr lang="he-IL" smtClean="0"/>
-              <a:t>י"ח/תמוז/תשע"ט</a:t>
+              <a:t>כ"א/תמוז/תשע"ט</a:t>
             </a:fld>
             <a:endParaRPr lang="he-IL"/>
           </a:p>
@@ -6444,7 +6570,7 @@
           <a:p>
             <a:fld id="{F472E424-CC75-4448-A1B5-6FCA6BFEE599}" type="datetimeFigureOut">
               <a:rPr lang="he-IL" smtClean="0"/>
-              <a:t>י"ח/תמוז/תשע"ט</a:t>
+              <a:t>כ"א/תמוז/תשע"ט</a:t>
             </a:fld>
             <a:endParaRPr lang="he-IL"/>
           </a:p>
@@ -7214,6 +7340,136 @@
     <p:extLst>
       <p:ext uri="{BB962C8B-B14F-4D97-AF65-F5344CB8AC3E}">
         <p14:creationId xmlns:p14="http://schemas.microsoft.com/office/powerpoint/2010/main" val="3989145491"/>
+      </p:ext>
+    </p:extLst>
+  </p:cSld>
+  <p:clrMapOvr>
+    <a:masterClrMapping/>
+  </p:clrMapOvr>
+  <mc:AlternateContent xmlns:mc="http://schemas.openxmlformats.org/markup-compatibility/2006" xmlns:p14="http://schemas.microsoft.com/office/powerpoint/2010/main">
+    <mc:Choice Requires="p14">
+      <p:transition spd="med" p14:dur="700">
+        <p:fade/>
+      </p:transition>
+    </mc:Choice>
+    <mc:Fallback xmlns="">
+      <p:transition xmlns:p14="http://schemas.microsoft.com/office/powerpoint/2010/main" spd="med">
+        <p:fade/>
+      </p:transition>
+    </mc:Fallback>
+  </mc:AlternateContent>
+</p:sld>
+</file>
+
+<file path=ppt/slides/slide12.xml><?xml version="1.0" encoding="utf-8"?>
+<p:sld xmlns:a="http://schemas.openxmlformats.org/drawingml/2006/main" xmlns:r="http://schemas.openxmlformats.org/officeDocument/2006/relationships" xmlns:p="http://schemas.openxmlformats.org/presentationml/2006/main">
+  <p:cSld>
+    <p:spTree>
+      <p:nvGrpSpPr>
+        <p:cNvPr id="1" name=""/>
+        <p:cNvGrpSpPr/>
+        <p:nvPr/>
+      </p:nvGrpSpPr>
+      <p:grpSpPr>
+        <a:xfrm>
+          <a:off x="0" y="0"/>
+          <a:ext cx="0" cy="0"/>
+          <a:chOff x="0" y="0"/>
+          <a:chExt cx="0" cy="0"/>
+        </a:xfrm>
+      </p:grpSpPr>
+      <p:sp>
+        <p:nvSpPr>
+          <p:cNvPr id="6" name="Rectangle 5"/>
+          <p:cNvSpPr/>
+          <p:nvPr/>
+        </p:nvSpPr>
+        <p:spPr>
+          <a:xfrm>
+            <a:off x="-215115" y="0"/>
+            <a:ext cx="12407115" cy="6858000"/>
+          </a:xfrm>
+          <a:prstGeom prst="rect">
+            <a:avLst/>
+          </a:prstGeom>
+          <a:solidFill>
+            <a:schemeClr val="accent6"/>
+          </a:solidFill>
+          <a:ln>
+            <a:noFill/>
+          </a:ln>
+        </p:spPr>
+        <p:style>
+          <a:lnRef idx="1">
+            <a:schemeClr val="accent1"/>
+          </a:lnRef>
+          <a:fillRef idx="3">
+            <a:schemeClr val="accent1"/>
+          </a:fillRef>
+          <a:effectRef idx="2">
+            <a:schemeClr val="accent1"/>
+          </a:effectRef>
+          <a:fontRef idx="minor">
+            <a:schemeClr val="lt1"/>
+          </a:fontRef>
+        </p:style>
+        <p:txBody>
+          <a:bodyPr rtlCol="0" anchor="ctr"/>
+          <a:lstStyle/>
+          <a:p>
+            <a:pPr algn="ctr"/>
+            <a:endParaRPr lang="en-US" sz="2400"/>
+          </a:p>
+        </p:txBody>
+      </p:sp>
+      <p:sp>
+        <p:nvSpPr>
+          <p:cNvPr id="24" name="Title 1"/>
+          <p:cNvSpPr>
+            <a:spLocks noGrp="1"/>
+          </p:cNvSpPr>
+          <p:nvPr>
+            <p:ph type="title"/>
+          </p:nvPr>
+        </p:nvSpPr>
+        <p:spPr>
+          <a:xfrm>
+            <a:off x="502042" y="1936377"/>
+            <a:ext cx="10972800" cy="2985246"/>
+          </a:xfrm>
+        </p:spPr>
+        <p:txBody>
+          <a:bodyPr>
+            <a:noAutofit/>
+          </a:bodyPr>
+          <a:lstStyle/>
+          <a:p>
+            <a:pPr algn="ctr" rtl="0" eaLnBrk="0" fontAlgn="base" hangingPunct="0">
+              <a:spcAft>
+                <a:spcPct val="0"/>
+              </a:spcAft>
+            </a:pPr>
+            <a:r>
+              <a:rPr lang="en-US" sz="6000" dirty="0">
+                <a:solidFill>
+                  <a:schemeClr val="bg1"/>
+                </a:solidFill>
+              </a:rPr>
+              <a:t>Hands-On</a:t>
+            </a:r>
+            <a:endParaRPr lang="en-US" altLang="en-US" sz="6000" b="1" dirty="0">
+              <a:solidFill>
+                <a:schemeClr val="bg1"/>
+              </a:solidFill>
+              <a:latin typeface="Calibri (Body)"/>
+            </a:endParaRPr>
+          </a:p>
+        </p:txBody>
+      </p:sp>
+    </p:spTree>
+    <p:extLst>
+      <p:ext uri="{BB962C8B-B14F-4D97-AF65-F5344CB8AC3E}">
+        <p14:creationId xmlns:p14="http://schemas.microsoft.com/office/powerpoint/2010/main" val="2892167983"/>
       </p:ext>
     </p:extLst>
   </p:cSld>
